--- a/JEE_Microservices_Kurs_MItschrift.pptx
+++ b/JEE_Microservices_Kurs_MItschrift.pptx
@@ -10,26 +10,29 @@
     <p:sldId id="311" r:id="rId4"/>
     <p:sldId id="312" r:id="rId5"/>
     <p:sldId id="313" r:id="rId6"/>
-    <p:sldId id="289" r:id="rId7"/>
-    <p:sldId id="290" r:id="rId8"/>
-    <p:sldId id="291" r:id="rId9"/>
-    <p:sldId id="309" r:id="rId10"/>
-    <p:sldId id="299" r:id="rId11"/>
-    <p:sldId id="292" r:id="rId12"/>
-    <p:sldId id="293" r:id="rId13"/>
-    <p:sldId id="295" r:id="rId14"/>
-    <p:sldId id="297" r:id="rId15"/>
-    <p:sldId id="298" r:id="rId16"/>
-    <p:sldId id="296" r:id="rId17"/>
-    <p:sldId id="300" r:id="rId18"/>
-    <p:sldId id="301" r:id="rId19"/>
-    <p:sldId id="302" r:id="rId20"/>
-    <p:sldId id="303" r:id="rId21"/>
-    <p:sldId id="305" r:id="rId22"/>
-    <p:sldId id="306" r:id="rId23"/>
-    <p:sldId id="307" r:id="rId24"/>
-    <p:sldId id="308" r:id="rId25"/>
-    <p:sldId id="294" r:id="rId26"/>
+    <p:sldId id="314" r:id="rId7"/>
+    <p:sldId id="316" r:id="rId8"/>
+    <p:sldId id="315" r:id="rId9"/>
+    <p:sldId id="289" r:id="rId10"/>
+    <p:sldId id="290" r:id="rId11"/>
+    <p:sldId id="291" r:id="rId12"/>
+    <p:sldId id="309" r:id="rId13"/>
+    <p:sldId id="299" r:id="rId14"/>
+    <p:sldId id="292" r:id="rId15"/>
+    <p:sldId id="293" r:id="rId16"/>
+    <p:sldId id="295" r:id="rId17"/>
+    <p:sldId id="297" r:id="rId18"/>
+    <p:sldId id="298" r:id="rId19"/>
+    <p:sldId id="296" r:id="rId20"/>
+    <p:sldId id="300" r:id="rId21"/>
+    <p:sldId id="301" r:id="rId22"/>
+    <p:sldId id="302" r:id="rId23"/>
+    <p:sldId id="303" r:id="rId24"/>
+    <p:sldId id="305" r:id="rId25"/>
+    <p:sldId id="306" r:id="rId26"/>
+    <p:sldId id="307" r:id="rId27"/>
+    <p:sldId id="308" r:id="rId28"/>
+    <p:sldId id="294" r:id="rId29"/>
   </p:sldIdLst>
   <p:sldSz cx="12192000" cy="6858000"/>
   <p:notesSz cx="6858000" cy="9144000"/>
@@ -322,7 +325,7 @@
           <a:p>
             <a:fld id="{754E2086-8CAB-4C99-8031-A26DB20B6863}" type="datetimeFigureOut">
               <a:rPr lang="de-DE" smtClean="0"/>
-              <a:t>24.03.2025</a:t>
+              <a:t>27.03.2025</a:t>
             </a:fld>
             <a:endParaRPr lang="de-DE" dirty="0"/>
           </a:p>
@@ -660,7 +663,7 @@
           <a:p>
             <a:fld id="{754E2086-8CAB-4C99-8031-A26DB20B6863}" type="datetimeFigureOut">
               <a:rPr lang="de-DE" smtClean="0"/>
-              <a:t>24.03.2025</a:t>
+              <a:t>27.03.2025</a:t>
             </a:fld>
             <a:endParaRPr lang="de-DE"/>
           </a:p>
@@ -868,7 +871,7 @@
           <a:p>
             <a:fld id="{754E2086-8CAB-4C99-8031-A26DB20B6863}" type="datetimeFigureOut">
               <a:rPr lang="de-DE" smtClean="0"/>
-              <a:t>24.03.2025</a:t>
+              <a:t>27.03.2025</a:t>
             </a:fld>
             <a:endParaRPr lang="de-DE"/>
           </a:p>
@@ -1066,7 +1069,7 @@
           <a:p>
             <a:fld id="{754E2086-8CAB-4C99-8031-A26DB20B6863}" type="datetimeFigureOut">
               <a:rPr lang="de-DE" smtClean="0"/>
-              <a:t>24.03.2025</a:t>
+              <a:t>27.03.2025</a:t>
             </a:fld>
             <a:endParaRPr lang="de-DE"/>
           </a:p>
@@ -1350,7 +1353,7 @@
           <a:p>
             <a:fld id="{754E2086-8CAB-4C99-8031-A26DB20B6863}" type="datetimeFigureOut">
               <a:rPr lang="de-DE" smtClean="0"/>
-              <a:t>24.03.2025</a:t>
+              <a:t>27.03.2025</a:t>
             </a:fld>
             <a:endParaRPr lang="de-DE"/>
           </a:p>
@@ -1624,7 +1627,7 @@
           <a:p>
             <a:fld id="{754E2086-8CAB-4C99-8031-A26DB20B6863}" type="datetimeFigureOut">
               <a:rPr lang="de-DE" smtClean="0"/>
-              <a:t>24.03.2025</a:t>
+              <a:t>27.03.2025</a:t>
             </a:fld>
             <a:endParaRPr lang="de-DE"/>
           </a:p>
@@ -2045,7 +2048,7 @@
           <a:p>
             <a:fld id="{754E2086-8CAB-4C99-8031-A26DB20B6863}" type="datetimeFigureOut">
               <a:rPr lang="de-DE" smtClean="0"/>
-              <a:t>24.03.2025</a:t>
+              <a:t>27.03.2025</a:t>
             </a:fld>
             <a:endParaRPr lang="de-DE"/>
           </a:p>
@@ -2195,7 +2198,7 @@
           <a:p>
             <a:fld id="{754E2086-8CAB-4C99-8031-A26DB20B6863}" type="datetimeFigureOut">
               <a:rPr lang="de-DE" smtClean="0"/>
-              <a:t>24.03.2025</a:t>
+              <a:t>27.03.2025</a:t>
             </a:fld>
             <a:endParaRPr lang="de-DE"/>
           </a:p>
@@ -2353,7 +2356,7 @@
           <a:p>
             <a:fld id="{754E2086-8CAB-4C99-8031-A26DB20B6863}" type="datetimeFigureOut">
               <a:rPr lang="de-DE" smtClean="0"/>
-              <a:t>24.03.2025</a:t>
+              <a:t>27.03.2025</a:t>
             </a:fld>
             <a:endParaRPr lang="de-DE"/>
           </a:p>
@@ -2709,7 +2712,7 @@
           <a:p>
             <a:fld id="{754E2086-8CAB-4C99-8031-A26DB20B6863}" type="datetimeFigureOut">
               <a:rPr lang="de-DE" smtClean="0"/>
-              <a:t>24.03.2025</a:t>
+              <a:t>27.03.2025</a:t>
             </a:fld>
             <a:endParaRPr lang="de-DE"/>
           </a:p>
@@ -3009,7 +3012,7 @@
           <a:p>
             <a:fld id="{754E2086-8CAB-4C99-8031-A26DB20B6863}" type="datetimeFigureOut">
               <a:rPr lang="de-DE" smtClean="0"/>
-              <a:t>24.03.2025</a:t>
+              <a:t>27.03.2025</a:t>
             </a:fld>
             <a:endParaRPr lang="de-DE"/>
           </a:p>
@@ -3250,7 +3253,7 @@
           <a:p>
             <a:fld id="{754E2086-8CAB-4C99-8031-A26DB20B6863}" type="datetimeFigureOut">
               <a:rPr lang="de-DE" smtClean="0"/>
-              <a:t>24.03.2025</a:t>
+              <a:t>27.03.2025</a:t>
             </a:fld>
             <a:endParaRPr lang="de-DE"/>
           </a:p>
@@ -3869,6 +3872,440 @@
           <p:cNvPr id="2" name="Titel 1">
             <a:extLst>
               <a:ext uri="{FF2B5EF4-FFF2-40B4-BE49-F238E27FC236}">
+                <a16:creationId xmlns:a16="http://schemas.microsoft.com/office/drawing/2014/main" id="{980FC6FA-FEB1-4902-9AD7-9FAECA8E6D92}"/>
+              </a:ext>
+            </a:extLst>
+          </p:cNvPr>
+          <p:cNvSpPr>
+            <a:spLocks noGrp="1"/>
+          </p:cNvSpPr>
+          <p:nvPr>
+            <p:ph type="title"/>
+          </p:nvPr>
+        </p:nvSpPr>
+        <p:spPr/>
+        <p:txBody>
+          <a:bodyPr/>
+          <a:lstStyle/>
+          <a:p>
+            <a:r>
+              <a:rPr lang="de-DE" dirty="0" err="1"/>
+              <a:t>Quarkus</a:t>
+            </a:r>
+            <a:r>
+              <a:rPr lang="de-DE" dirty="0"/>
+              <a:t> – Voraussetzungen - </a:t>
+            </a:r>
+            <a:r>
+              <a:rPr lang="de-DE" dirty="0" err="1"/>
+              <a:t>Prerequsites</a:t>
+            </a:r>
+            <a:endParaRPr lang="de-DE" dirty="0"/>
+          </a:p>
+        </p:txBody>
+      </p:sp>
+      <p:sp>
+        <p:nvSpPr>
+          <p:cNvPr id="3" name="Inhaltsplatzhalter 2">
+            <a:extLst>
+              <a:ext uri="{FF2B5EF4-FFF2-40B4-BE49-F238E27FC236}">
+                <a16:creationId xmlns:a16="http://schemas.microsoft.com/office/drawing/2014/main" id="{D76998DC-6076-41F1-91EC-E5658B415D4E}"/>
+              </a:ext>
+            </a:extLst>
+          </p:cNvPr>
+          <p:cNvSpPr>
+            <a:spLocks noGrp="1"/>
+          </p:cNvSpPr>
+          <p:nvPr>
+            <p:ph idx="1"/>
+          </p:nvPr>
+        </p:nvSpPr>
+        <p:spPr/>
+        <p:txBody>
+          <a:bodyPr/>
+          <a:lstStyle/>
+          <a:p>
+            <a:r>
+              <a:rPr lang="en-US" dirty="0"/>
+              <a:t>IDE:  IntelliJ or Eclipse </a:t>
+            </a:r>
+          </a:p>
+          <a:p>
+            <a:r>
+              <a:rPr lang="en-US" dirty="0"/>
+              <a:t>JDK 11+ installed with JAVA_HOME configured appropriately</a:t>
+            </a:r>
+          </a:p>
+          <a:p>
+            <a:r>
+              <a:rPr lang="en-US" dirty="0"/>
+              <a:t>Apache Maven 3.8.1+</a:t>
+            </a:r>
+            <a:endParaRPr lang="de-DE" dirty="0"/>
+          </a:p>
+        </p:txBody>
+      </p:sp>
+    </p:spTree>
+    <p:extLst>
+      <p:ext uri="{BB962C8B-B14F-4D97-AF65-F5344CB8AC3E}">
+        <p14:creationId xmlns:p14="http://schemas.microsoft.com/office/powerpoint/2010/main" val="4208000089"/>
+      </p:ext>
+    </p:extLst>
+  </p:cSld>
+  <p:clrMapOvr>
+    <a:masterClrMapping/>
+  </p:clrMapOvr>
+</p:sld>
+</file>
+
+<file path=ppt/slides/slide11.xml><?xml version="1.0" encoding="utf-8"?>
+<p:sld xmlns:a="http://schemas.openxmlformats.org/drawingml/2006/main" xmlns:r="http://schemas.openxmlformats.org/officeDocument/2006/relationships" xmlns:p="http://schemas.openxmlformats.org/presentationml/2006/main">
+  <p:cSld>
+    <p:spTree>
+      <p:nvGrpSpPr>
+        <p:cNvPr id="1" name=""/>
+        <p:cNvGrpSpPr/>
+        <p:nvPr/>
+      </p:nvGrpSpPr>
+      <p:grpSpPr>
+        <a:xfrm>
+          <a:off x="0" y="0"/>
+          <a:ext cx="0" cy="0"/>
+          <a:chOff x="0" y="0"/>
+          <a:chExt cx="0" cy="0"/>
+        </a:xfrm>
+      </p:grpSpPr>
+      <p:sp>
+        <p:nvSpPr>
+          <p:cNvPr id="2" name="Titel 1">
+            <a:extLst>
+              <a:ext uri="{FF2B5EF4-FFF2-40B4-BE49-F238E27FC236}">
+                <a16:creationId xmlns:a16="http://schemas.microsoft.com/office/drawing/2014/main" id="{ABDC4C64-A494-48D6-B1FF-6370F5F255A2}"/>
+              </a:ext>
+            </a:extLst>
+          </p:cNvPr>
+          <p:cNvSpPr>
+            <a:spLocks noGrp="1"/>
+          </p:cNvSpPr>
+          <p:nvPr>
+            <p:ph type="title"/>
+          </p:nvPr>
+        </p:nvSpPr>
+        <p:spPr/>
+        <p:txBody>
+          <a:bodyPr/>
+          <a:lstStyle/>
+          <a:p>
+            <a:r>
+              <a:rPr lang="de-DE" dirty="0"/>
+              <a:t>Maven Quickstart: Create </a:t>
+            </a:r>
+            <a:r>
+              <a:rPr lang="de-DE" dirty="0" err="1"/>
+              <a:t>by</a:t>
+            </a:r>
+            <a:r>
+              <a:rPr lang="de-DE" dirty="0"/>
+              <a:t> </a:t>
+            </a:r>
+            <a:r>
+              <a:rPr lang="de-DE" dirty="0" err="1"/>
+              <a:t>hand</a:t>
+            </a:r>
+            <a:endParaRPr lang="de-DE" dirty="0"/>
+          </a:p>
+        </p:txBody>
+      </p:sp>
+      <p:sp>
+        <p:nvSpPr>
+          <p:cNvPr id="3" name="Inhaltsplatzhalter 2">
+            <a:extLst>
+              <a:ext uri="{FF2B5EF4-FFF2-40B4-BE49-F238E27FC236}">
+                <a16:creationId xmlns:a16="http://schemas.microsoft.com/office/drawing/2014/main" id="{473F96D3-0D68-4705-9E0B-A0DF8F4A5014}"/>
+              </a:ext>
+            </a:extLst>
+          </p:cNvPr>
+          <p:cNvSpPr>
+            <a:spLocks noGrp="1"/>
+          </p:cNvSpPr>
+          <p:nvPr>
+            <p:ph idx="1"/>
+          </p:nvPr>
+        </p:nvSpPr>
+        <p:spPr/>
+        <p:txBody>
+          <a:bodyPr/>
+          <a:lstStyle/>
+          <a:p>
+            <a:pPr marL="0" indent="0">
+              <a:buNone/>
+            </a:pPr>
+            <a:r>
+              <a:rPr lang="de-DE" dirty="0" err="1"/>
+              <a:t>mvn</a:t>
+            </a:r>
+            <a:r>
+              <a:rPr lang="de-DE" dirty="0"/>
+              <a:t> io.quarkus.platform:quarkus-maven-plugin:2.5.1.Final:create \</a:t>
+            </a:r>
+          </a:p>
+          <a:p>
+            <a:pPr marL="0" indent="0">
+              <a:buNone/>
+            </a:pPr>
+            <a:r>
+              <a:rPr lang="de-DE" dirty="0"/>
+              <a:t>    -</a:t>
+            </a:r>
+            <a:r>
+              <a:rPr lang="de-DE" dirty="0" err="1"/>
+              <a:t>DprojectGroupId</a:t>
+            </a:r>
+            <a:r>
+              <a:rPr lang="de-DE" dirty="0"/>
+              <a:t>=</a:t>
+            </a:r>
+            <a:r>
+              <a:rPr lang="de-DE" dirty="0" err="1"/>
+              <a:t>at.cgsit.train</a:t>
+            </a:r>
+            <a:r>
+              <a:rPr lang="de-DE" dirty="0"/>
+              <a:t> \</a:t>
+            </a:r>
+          </a:p>
+          <a:p>
+            <a:pPr marL="0" indent="0">
+              <a:buNone/>
+            </a:pPr>
+            <a:r>
+              <a:rPr lang="de-DE" dirty="0"/>
+              <a:t>    -</a:t>
+            </a:r>
+            <a:r>
+              <a:rPr lang="de-DE" dirty="0" err="1"/>
+              <a:t>DprojectArtifactId</a:t>
+            </a:r>
+            <a:r>
+              <a:rPr lang="de-DE" dirty="0"/>
+              <a:t>=</a:t>
+            </a:r>
+            <a:r>
+              <a:rPr lang="de-DE" dirty="0" err="1"/>
+              <a:t>quarkus</a:t>
+            </a:r>
+            <a:r>
+              <a:rPr lang="de-DE" dirty="0"/>
+              <a:t>-demo \</a:t>
+            </a:r>
+          </a:p>
+          <a:p>
+            <a:pPr marL="0" indent="0">
+              <a:buNone/>
+            </a:pPr>
+            <a:r>
+              <a:rPr lang="de-DE" dirty="0"/>
+              <a:t>    -</a:t>
+            </a:r>
+            <a:r>
+              <a:rPr lang="de-DE" dirty="0" err="1"/>
+              <a:t>DclassName</a:t>
+            </a:r>
+            <a:r>
+              <a:rPr lang="de-DE" dirty="0"/>
+              <a:t>="</a:t>
+            </a:r>
+            <a:r>
+              <a:rPr lang="de-DE" dirty="0" err="1"/>
+              <a:t>at.cgsit.train.quarkus.DemoResource</a:t>
+            </a:r>
+            <a:r>
+              <a:rPr lang="de-DE" dirty="0"/>
+              <a:t>" \</a:t>
+            </a:r>
+          </a:p>
+          <a:p>
+            <a:pPr marL="0" indent="0">
+              <a:buNone/>
+            </a:pPr>
+            <a:r>
+              <a:rPr lang="de-DE" dirty="0"/>
+              <a:t>    -</a:t>
+            </a:r>
+            <a:r>
+              <a:rPr lang="de-DE" dirty="0" err="1"/>
+              <a:t>Dpath</a:t>
+            </a:r>
+            <a:r>
+              <a:rPr lang="de-DE" dirty="0"/>
+              <a:t>="/</a:t>
+            </a:r>
+            <a:r>
+              <a:rPr lang="de-DE" dirty="0" err="1"/>
+              <a:t>helloDemo</a:t>
+            </a:r>
+            <a:r>
+              <a:rPr lang="de-DE" dirty="0"/>
+              <a:t>„</a:t>
+            </a:r>
+          </a:p>
+          <a:p>
+            <a:pPr marL="0" indent="0">
+              <a:buNone/>
+            </a:pPr>
+            <a:endParaRPr lang="de-DE" dirty="0"/>
+          </a:p>
+          <a:p>
+            <a:pPr marL="0" indent="0">
+              <a:buNone/>
+            </a:pPr>
+            <a:r>
+              <a:rPr lang="de-DE" dirty="0"/>
+              <a:t>cd </a:t>
+            </a:r>
+            <a:r>
+              <a:rPr lang="de-DE" dirty="0" err="1"/>
+              <a:t>quarkus</a:t>
+            </a:r>
+            <a:r>
+              <a:rPr lang="de-DE" dirty="0"/>
+              <a:t>-demo</a:t>
+            </a:r>
+          </a:p>
+        </p:txBody>
+      </p:sp>
+    </p:spTree>
+    <p:extLst>
+      <p:ext uri="{BB962C8B-B14F-4D97-AF65-F5344CB8AC3E}">
+        <p14:creationId xmlns:p14="http://schemas.microsoft.com/office/powerpoint/2010/main" val="32993438"/>
+      </p:ext>
+    </p:extLst>
+  </p:cSld>
+  <p:clrMapOvr>
+    <a:masterClrMapping/>
+  </p:clrMapOvr>
+</p:sld>
+</file>
+
+<file path=ppt/slides/slide12.xml><?xml version="1.0" encoding="utf-8"?>
+<p:sld xmlns:a="http://schemas.openxmlformats.org/drawingml/2006/main" xmlns:r="http://schemas.openxmlformats.org/officeDocument/2006/relationships" xmlns:p="http://schemas.openxmlformats.org/presentationml/2006/main">
+  <p:cSld>
+    <p:spTree>
+      <p:nvGrpSpPr>
+        <p:cNvPr id="1" name=""/>
+        <p:cNvGrpSpPr/>
+        <p:nvPr/>
+      </p:nvGrpSpPr>
+      <p:grpSpPr>
+        <a:xfrm>
+          <a:off x="0" y="0"/>
+          <a:ext cx="0" cy="0"/>
+          <a:chOff x="0" y="0"/>
+          <a:chExt cx="0" cy="0"/>
+        </a:xfrm>
+      </p:grpSpPr>
+      <p:sp>
+        <p:nvSpPr>
+          <p:cNvPr id="2" name="Titel 1">
+            <a:extLst>
+              <a:ext uri="{FF2B5EF4-FFF2-40B4-BE49-F238E27FC236}">
+                <a16:creationId xmlns:a16="http://schemas.microsoft.com/office/drawing/2014/main" id="{2BEBA303-1374-46B5-9441-39A78CBE23AA}"/>
+              </a:ext>
+            </a:extLst>
+          </p:cNvPr>
+          <p:cNvSpPr>
+            <a:spLocks noGrp="1"/>
+          </p:cNvSpPr>
+          <p:nvPr>
+            <p:ph type="title"/>
+          </p:nvPr>
+        </p:nvSpPr>
+        <p:spPr/>
+        <p:txBody>
+          <a:bodyPr/>
+          <a:lstStyle/>
+          <a:p>
+            <a:r>
+              <a:rPr lang="de-DE" dirty="0" err="1"/>
+              <a:t>Build</a:t>
+            </a:r>
+            <a:r>
+              <a:rPr lang="de-DE" dirty="0"/>
+              <a:t> </a:t>
+            </a:r>
+            <a:r>
+              <a:rPr lang="de-DE" dirty="0" err="1"/>
+              <a:t>success</a:t>
+            </a:r>
+            <a:endParaRPr lang="de-DE" dirty="0"/>
+          </a:p>
+        </p:txBody>
+      </p:sp>
+      <p:pic>
+        <p:nvPicPr>
+          <p:cNvPr id="5" name="Grafik 4">
+            <a:extLst>
+              <a:ext uri="{FF2B5EF4-FFF2-40B4-BE49-F238E27FC236}">
+                <a16:creationId xmlns:a16="http://schemas.microsoft.com/office/drawing/2014/main" id="{56C0C481-32FF-420B-929E-28AB8D870628}"/>
+              </a:ext>
+            </a:extLst>
+          </p:cNvPr>
+          <p:cNvPicPr>
+            <a:picLocks noChangeAspect="1"/>
+          </p:cNvPicPr>
+          <p:nvPr/>
+        </p:nvPicPr>
+        <p:blipFill>
+          <a:blip r:embed="rId2"/>
+          <a:stretch>
+            <a:fillRect/>
+          </a:stretch>
+        </p:blipFill>
+        <p:spPr>
+          <a:xfrm>
+            <a:off x="4131666" y="681036"/>
+            <a:ext cx="7121022" cy="5614255"/>
+          </a:xfrm>
+          <a:prstGeom prst="rect">
+            <a:avLst/>
+          </a:prstGeom>
+        </p:spPr>
+      </p:pic>
+    </p:spTree>
+    <p:extLst>
+      <p:ext uri="{BB962C8B-B14F-4D97-AF65-F5344CB8AC3E}">
+        <p14:creationId xmlns:p14="http://schemas.microsoft.com/office/powerpoint/2010/main" val="536982506"/>
+      </p:ext>
+    </p:extLst>
+  </p:cSld>
+  <p:clrMapOvr>
+    <a:masterClrMapping/>
+  </p:clrMapOvr>
+</p:sld>
+</file>
+
+<file path=ppt/slides/slide13.xml><?xml version="1.0" encoding="utf-8"?>
+<p:sld xmlns:a="http://schemas.openxmlformats.org/drawingml/2006/main" xmlns:r="http://schemas.openxmlformats.org/officeDocument/2006/relationships" xmlns:p="http://schemas.openxmlformats.org/presentationml/2006/main">
+  <p:cSld>
+    <p:spTree>
+      <p:nvGrpSpPr>
+        <p:cNvPr id="1" name=""/>
+        <p:cNvGrpSpPr/>
+        <p:nvPr/>
+      </p:nvGrpSpPr>
+      <p:grpSpPr>
+        <a:xfrm>
+          <a:off x="0" y="0"/>
+          <a:ext cx="0" cy="0"/>
+          <a:chOff x="0" y="0"/>
+          <a:chExt cx="0" cy="0"/>
+        </a:xfrm>
+      </p:grpSpPr>
+      <p:sp>
+        <p:nvSpPr>
+          <p:cNvPr id="2" name="Titel 1">
+            <a:extLst>
+              <a:ext uri="{FF2B5EF4-FFF2-40B4-BE49-F238E27FC236}">
                 <a16:creationId xmlns:a16="http://schemas.microsoft.com/office/drawing/2014/main" id="{FCCA4D92-BFB9-4E28-B4EE-CF2BD5023330}"/>
               </a:ext>
             </a:extLst>
@@ -3952,7 +4389,7 @@
 </p:sld>
 </file>
 
-<file path=ppt/slides/slide11.xml><?xml version="1.0" encoding="utf-8"?>
+<file path=ppt/slides/slide14.xml><?xml version="1.0" encoding="utf-8"?>
 <p:sld xmlns:a="http://schemas.openxmlformats.org/drawingml/2006/main" xmlns:r="http://schemas.openxmlformats.org/officeDocument/2006/relationships" xmlns:p="http://schemas.openxmlformats.org/presentationml/2006/main">
   <p:cSld>
     <p:spTree>
@@ -4160,7 +4597,7 @@
 </p:sld>
 </file>
 
-<file path=ppt/slides/slide12.xml><?xml version="1.0" encoding="utf-8"?>
+<file path=ppt/slides/slide15.xml><?xml version="1.0" encoding="utf-8"?>
 <p:sld xmlns:a="http://schemas.openxmlformats.org/drawingml/2006/main" xmlns:r="http://schemas.openxmlformats.org/officeDocument/2006/relationships" xmlns:p="http://schemas.openxmlformats.org/presentationml/2006/main">
   <p:cSld>
     <p:spTree>
@@ -5420,7 +5857,7 @@
 </p:sld>
 </file>
 
-<file path=ppt/slides/slide13.xml><?xml version="1.0" encoding="utf-8"?>
+<file path=ppt/slides/slide16.xml><?xml version="1.0" encoding="utf-8"?>
 <p:sld xmlns:a="http://schemas.openxmlformats.org/drawingml/2006/main" xmlns:r="http://schemas.openxmlformats.org/officeDocument/2006/relationships" xmlns:p="http://schemas.openxmlformats.org/presentationml/2006/main">
   <p:cSld>
     <p:spTree>
@@ -6168,7 +6605,7 @@
 </p:sld>
 </file>
 
-<file path=ppt/slides/slide14.xml><?xml version="1.0" encoding="utf-8"?>
+<file path=ppt/slides/slide17.xml><?xml version="1.0" encoding="utf-8"?>
 <p:sld xmlns:a="http://schemas.openxmlformats.org/drawingml/2006/main" xmlns:r="http://schemas.openxmlformats.org/officeDocument/2006/relationships" xmlns:p="http://schemas.openxmlformats.org/presentationml/2006/main">
   <p:cSld>
     <p:spTree>
@@ -6374,7 +6811,7 @@
 </p:sld>
 </file>
 
-<file path=ppt/slides/slide15.xml><?xml version="1.0" encoding="utf-8"?>
+<file path=ppt/slides/slide18.xml><?xml version="1.0" encoding="utf-8"?>
 <p:sld xmlns:a="http://schemas.openxmlformats.org/drawingml/2006/main" xmlns:r="http://schemas.openxmlformats.org/officeDocument/2006/relationships" xmlns:p="http://schemas.openxmlformats.org/presentationml/2006/main">
   <p:cSld>
     <p:spTree>
@@ -7891,562 +8328,6 @@
 </p:sld>
 </file>
 
-<file path=ppt/slides/slide16.xml><?xml version="1.0" encoding="utf-8"?>
-<p:sld xmlns:a="http://schemas.openxmlformats.org/drawingml/2006/main" xmlns:r="http://schemas.openxmlformats.org/officeDocument/2006/relationships" xmlns:p="http://schemas.openxmlformats.org/presentationml/2006/main">
-  <p:cSld>
-    <p:spTree>
-      <p:nvGrpSpPr>
-        <p:cNvPr id="1" name=""/>
-        <p:cNvGrpSpPr/>
-        <p:nvPr/>
-      </p:nvGrpSpPr>
-      <p:grpSpPr>
-        <a:xfrm>
-          <a:off x="0" y="0"/>
-          <a:ext cx="0" cy="0"/>
-          <a:chOff x="0" y="0"/>
-          <a:chExt cx="0" cy="0"/>
-        </a:xfrm>
-      </p:grpSpPr>
-      <p:sp>
-        <p:nvSpPr>
-          <p:cNvPr id="2" name="Titel 1">
-            <a:extLst>
-              <a:ext uri="{FF2B5EF4-FFF2-40B4-BE49-F238E27FC236}">
-                <a16:creationId xmlns:a16="http://schemas.microsoft.com/office/drawing/2014/main" id="{1B481A0A-F08E-4976-A3BC-7407811A7063}"/>
-              </a:ext>
-            </a:extLst>
-          </p:cNvPr>
-          <p:cNvSpPr>
-            <a:spLocks noGrp="1"/>
-          </p:cNvSpPr>
-          <p:nvPr>
-            <p:ph type="title"/>
-          </p:nvPr>
-        </p:nvSpPr>
-        <p:spPr/>
-        <p:txBody>
-          <a:bodyPr/>
-          <a:lstStyle/>
-          <a:p>
-            <a:r>
-              <a:rPr lang="de-DE" dirty="0"/>
-              <a:t>Add </a:t>
-            </a:r>
-            <a:r>
-              <a:rPr lang="de-DE" dirty="0" err="1"/>
-              <a:t>to</a:t>
-            </a:r>
-            <a:r>
-              <a:rPr lang="de-DE" dirty="0"/>
-              <a:t> </a:t>
-            </a:r>
-            <a:r>
-              <a:rPr lang="de-DE" dirty="0" err="1"/>
-              <a:t>git</a:t>
-            </a:r>
-            <a:endParaRPr lang="de-DE" dirty="0"/>
-          </a:p>
-        </p:txBody>
-      </p:sp>
-      <p:sp>
-        <p:nvSpPr>
-          <p:cNvPr id="3" name="Inhaltsplatzhalter 2">
-            <a:extLst>
-              <a:ext uri="{FF2B5EF4-FFF2-40B4-BE49-F238E27FC236}">
-                <a16:creationId xmlns:a16="http://schemas.microsoft.com/office/drawing/2014/main" id="{1877E5B9-C882-4DC5-AB1F-E63948EF0501}"/>
-              </a:ext>
-            </a:extLst>
-          </p:cNvPr>
-          <p:cNvSpPr>
-            <a:spLocks noGrp="1"/>
-          </p:cNvSpPr>
-          <p:nvPr>
-            <p:ph idx="1"/>
-          </p:nvPr>
-        </p:nvSpPr>
-        <p:spPr>
-          <a:xfrm>
-            <a:off x="838200" y="1690688"/>
-            <a:ext cx="10515600" cy="4351338"/>
-          </a:xfrm>
-        </p:spPr>
-        <p:txBody>
-          <a:bodyPr>
-            <a:normAutofit fontScale="85000" lnSpcReduction="20000"/>
-          </a:bodyPr>
-          <a:lstStyle/>
-          <a:p>
-            <a:pPr marL="0" indent="0">
-              <a:buNone/>
-            </a:pPr>
-            <a:r>
-              <a:rPr lang="en-US" dirty="0"/>
-              <a:t>git </a:t>
-            </a:r>
-            <a:r>
-              <a:rPr lang="en-US" dirty="0" err="1"/>
-              <a:t>init</a:t>
-            </a:r>
-            <a:endParaRPr lang="en-US" dirty="0"/>
-          </a:p>
-          <a:p>
-            <a:pPr marL="0" indent="0">
-              <a:buNone/>
-            </a:pPr>
-            <a:r>
-              <a:rPr lang="en-US" dirty="0"/>
-              <a:t>git add –A </a:t>
-            </a:r>
-          </a:p>
-          <a:p>
-            <a:pPr marL="0" indent="0">
-              <a:buNone/>
-            </a:pPr>
-            <a:r>
-              <a:rPr lang="en-US" dirty="0"/>
-              <a:t>git commit -m "first commit"</a:t>
-            </a:r>
-          </a:p>
-          <a:p>
-            <a:pPr marL="0" indent="0">
-              <a:buNone/>
-            </a:pPr>
-            <a:r>
-              <a:rPr lang="en-US" dirty="0"/>
-              <a:t>git branch -M main</a:t>
-            </a:r>
-          </a:p>
-          <a:p>
-            <a:pPr marL="0" indent="0">
-              <a:buNone/>
-            </a:pPr>
-            <a:r>
-              <a:rPr lang="en-US" dirty="0"/>
-              <a:t>git remote add origin </a:t>
-            </a:r>
-            <a:r>
-              <a:rPr lang="en-US" dirty="0">
-                <a:hlinkClick r:id="rId2"/>
-              </a:rPr>
-              <a:t>https://github.com/chrascher/quarkus_demo.git</a:t>
-            </a:r>
-            <a:endParaRPr lang="en-US" dirty="0"/>
-          </a:p>
-          <a:p>
-            <a:pPr marL="0" indent="0">
-              <a:buNone/>
-            </a:pPr>
-            <a:endParaRPr lang="en-US" dirty="0"/>
-          </a:p>
-          <a:p>
-            <a:pPr marL="0" indent="0">
-              <a:buNone/>
-            </a:pPr>
-            <a:r>
-              <a:rPr lang="en-US" dirty="0"/>
-              <a:t>git remote add origin </a:t>
-            </a:r>
-            <a:r>
-              <a:rPr lang="en-US" dirty="0">
-                <a:hlinkClick r:id="rId3"/>
-              </a:rPr>
-              <a:t>https://github.com/&lt;user&gt;/quarkus_demo.git</a:t>
-            </a:r>
-            <a:endParaRPr lang="en-US" dirty="0"/>
-          </a:p>
-          <a:p>
-            <a:pPr marL="0" indent="0">
-              <a:buNone/>
-            </a:pPr>
-            <a:endParaRPr lang="en-US" dirty="0"/>
-          </a:p>
-          <a:p>
-            <a:pPr marL="0" indent="0">
-              <a:buNone/>
-            </a:pPr>
-            <a:r>
-              <a:rPr lang="en-US" dirty="0"/>
-              <a:t>git push -u origin main</a:t>
-            </a:r>
-          </a:p>
-          <a:p>
-            <a:pPr marL="0" indent="0">
-              <a:buNone/>
-            </a:pPr>
-            <a:endParaRPr lang="en-US" dirty="0"/>
-          </a:p>
-          <a:p>
-            <a:pPr marL="0" indent="0">
-              <a:buNone/>
-            </a:pPr>
-            <a:r>
-              <a:rPr lang="en-US" dirty="0"/>
-              <a:t>git pull</a:t>
-            </a:r>
-          </a:p>
-          <a:p>
-            <a:pPr marL="0" indent="0">
-              <a:buNone/>
-            </a:pPr>
-            <a:endParaRPr lang="de-DE" dirty="0"/>
-          </a:p>
-        </p:txBody>
-      </p:sp>
-    </p:spTree>
-    <p:extLst>
-      <p:ext uri="{BB962C8B-B14F-4D97-AF65-F5344CB8AC3E}">
-        <p14:creationId xmlns:p14="http://schemas.microsoft.com/office/powerpoint/2010/main" val="2390839203"/>
-      </p:ext>
-    </p:extLst>
-  </p:cSld>
-  <p:clrMapOvr>
-    <a:masterClrMapping/>
-  </p:clrMapOvr>
-</p:sld>
-</file>
-
-<file path=ppt/slides/slide17.xml><?xml version="1.0" encoding="utf-8"?>
-<p:sld xmlns:a="http://schemas.openxmlformats.org/drawingml/2006/main" xmlns:r="http://schemas.openxmlformats.org/officeDocument/2006/relationships" xmlns:p="http://schemas.openxmlformats.org/presentationml/2006/main">
-  <p:cSld>
-    <p:spTree>
-      <p:nvGrpSpPr>
-        <p:cNvPr id="1" name=""/>
-        <p:cNvGrpSpPr/>
-        <p:nvPr/>
-      </p:nvGrpSpPr>
-      <p:grpSpPr>
-        <a:xfrm>
-          <a:off x="0" y="0"/>
-          <a:ext cx="0" cy="0"/>
-          <a:chOff x="0" y="0"/>
-          <a:chExt cx="0" cy="0"/>
-        </a:xfrm>
-      </p:grpSpPr>
-      <p:sp>
-        <p:nvSpPr>
-          <p:cNvPr id="2" name="Titel 1">
-            <a:extLst>
-              <a:ext uri="{FF2B5EF4-FFF2-40B4-BE49-F238E27FC236}">
-                <a16:creationId xmlns:a16="http://schemas.microsoft.com/office/drawing/2014/main" id="{7BB1E7AE-138B-4823-B778-45D0A664B79C}"/>
-              </a:ext>
-            </a:extLst>
-          </p:cNvPr>
-          <p:cNvSpPr>
-            <a:spLocks noGrp="1"/>
-          </p:cNvSpPr>
-          <p:nvPr>
-            <p:ph type="title"/>
-          </p:nvPr>
-        </p:nvSpPr>
-        <p:spPr/>
-        <p:txBody>
-          <a:bodyPr/>
-          <a:lstStyle/>
-          <a:p>
-            <a:r>
-              <a:rPr lang="de-DE" dirty="0"/>
-              <a:t>Import </a:t>
-            </a:r>
-            <a:r>
-              <a:rPr lang="de-DE" dirty="0" err="1"/>
-              <a:t>into</a:t>
-            </a:r>
-            <a:r>
-              <a:rPr lang="de-DE" dirty="0"/>
-              <a:t> </a:t>
-            </a:r>
-            <a:r>
-              <a:rPr lang="de-DE" dirty="0" err="1"/>
-              <a:t>intelliJ</a:t>
-            </a:r>
-            <a:endParaRPr lang="de-DE" dirty="0"/>
-          </a:p>
-        </p:txBody>
-      </p:sp>
-      <p:sp>
-        <p:nvSpPr>
-          <p:cNvPr id="3" name="Inhaltsplatzhalter 2">
-            <a:extLst>
-              <a:ext uri="{FF2B5EF4-FFF2-40B4-BE49-F238E27FC236}">
-                <a16:creationId xmlns:a16="http://schemas.microsoft.com/office/drawing/2014/main" id="{EDAD9A2A-251F-4FE3-93CB-23A9EA3D9E4C}"/>
-              </a:ext>
-            </a:extLst>
-          </p:cNvPr>
-          <p:cNvSpPr>
-            <a:spLocks noGrp="1"/>
-          </p:cNvSpPr>
-          <p:nvPr>
-            <p:ph idx="1"/>
-          </p:nvPr>
-        </p:nvSpPr>
-        <p:spPr/>
-        <p:txBody>
-          <a:bodyPr/>
-          <a:lstStyle/>
-          <a:p>
-            <a:r>
-              <a:rPr lang="de-DE" dirty="0"/>
-              <a:t>Open </a:t>
-            </a:r>
-            <a:r>
-              <a:rPr lang="de-DE" dirty="0" err="1"/>
-              <a:t>IntelliJ</a:t>
-            </a:r>
-            <a:r>
-              <a:rPr lang="de-DE" dirty="0"/>
-              <a:t> </a:t>
-            </a:r>
-            <a:r>
-              <a:rPr lang="de-DE" dirty="0">
-                <a:sym typeface="Wingdings" panose="05000000000000000000" pitchFamily="2" charset="2"/>
-              </a:rPr>
-              <a:t> Open Project</a:t>
-            </a:r>
-          </a:p>
-          <a:p>
-            <a:r>
-              <a:rPr lang="de-DE" dirty="0" err="1">
-                <a:sym typeface="Wingdings" panose="05000000000000000000" pitchFamily="2" charset="2"/>
-              </a:rPr>
-              <a:t>Choose</a:t>
-            </a:r>
-            <a:r>
-              <a:rPr lang="de-DE" dirty="0">
-                <a:sym typeface="Wingdings" panose="05000000000000000000" pitchFamily="2" charset="2"/>
-              </a:rPr>
-              <a:t> </a:t>
-            </a:r>
-            <a:r>
-              <a:rPr lang="de-DE" dirty="0" err="1">
-                <a:sym typeface="Wingdings" panose="05000000000000000000" pitchFamily="2" charset="2"/>
-              </a:rPr>
-              <a:t>directory</a:t>
-            </a:r>
-            <a:r>
-              <a:rPr lang="de-DE" dirty="0">
-                <a:sym typeface="Wingdings" panose="05000000000000000000" pitchFamily="2" charset="2"/>
-              </a:rPr>
-              <a:t>: </a:t>
-            </a:r>
-            <a:r>
-              <a:rPr lang="de-DE" dirty="0" err="1">
-                <a:sym typeface="Wingdings" panose="05000000000000000000" pitchFamily="2" charset="2"/>
-              </a:rPr>
-              <a:t>z.b.</a:t>
-            </a:r>
-            <a:r>
-              <a:rPr lang="de-DE" dirty="0">
-                <a:sym typeface="Wingdings" panose="05000000000000000000" pitchFamily="2" charset="2"/>
-              </a:rPr>
-              <a:t> </a:t>
-            </a:r>
-            <a:r>
-              <a:rPr lang="fr-FR" dirty="0">
-                <a:sym typeface="Wingdings" panose="05000000000000000000" pitchFamily="2" charset="2"/>
-              </a:rPr>
-              <a:t>D:\002_cloud_dev\quarkus-demo</a:t>
-            </a:r>
-          </a:p>
-          <a:p>
-            <a:r>
-              <a:rPr lang="fr-FR" dirty="0">
-                <a:sym typeface="Wingdings" panose="05000000000000000000" pitchFamily="2" charset="2"/>
-              </a:rPr>
-              <a:t>Open </a:t>
-            </a:r>
-            <a:r>
-              <a:rPr lang="fr-FR" dirty="0" err="1">
-                <a:sym typeface="Wingdings" panose="05000000000000000000" pitchFamily="2" charset="2"/>
-              </a:rPr>
-              <a:t>project</a:t>
-            </a:r>
-            <a:endParaRPr lang="fr-FR" dirty="0">
-              <a:sym typeface="Wingdings" panose="05000000000000000000" pitchFamily="2" charset="2"/>
-            </a:endParaRPr>
-          </a:p>
-          <a:p>
-            <a:r>
-              <a:rPr lang="fr-FR" dirty="0" err="1">
-                <a:sym typeface="Wingdings" panose="05000000000000000000" pitchFamily="2" charset="2"/>
-              </a:rPr>
-              <a:t>Conntect</a:t>
-            </a:r>
-            <a:r>
-              <a:rPr lang="fr-FR" dirty="0">
-                <a:sym typeface="Wingdings" panose="05000000000000000000" pitchFamily="2" charset="2"/>
-              </a:rPr>
-              <a:t> to </a:t>
-            </a:r>
-            <a:r>
-              <a:rPr lang="fr-FR" dirty="0" err="1">
-                <a:sym typeface="Wingdings" panose="05000000000000000000" pitchFamily="2" charset="2"/>
-              </a:rPr>
-              <a:t>github</a:t>
-            </a:r>
-            <a:r>
-              <a:rPr lang="fr-FR" dirty="0">
-                <a:sym typeface="Wingdings" panose="05000000000000000000" pitchFamily="2" charset="2"/>
-              </a:rPr>
-              <a:t> and </a:t>
-            </a:r>
-            <a:r>
-              <a:rPr lang="fr-FR" dirty="0" err="1">
-                <a:sym typeface="Wingdings" panose="05000000000000000000" pitchFamily="2" charset="2"/>
-              </a:rPr>
-              <a:t>provide</a:t>
-            </a:r>
-            <a:r>
-              <a:rPr lang="fr-FR" dirty="0">
-                <a:sym typeface="Wingdings" panose="05000000000000000000" pitchFamily="2" charset="2"/>
-              </a:rPr>
-              <a:t> </a:t>
-            </a:r>
-            <a:r>
-              <a:rPr lang="fr-FR" dirty="0" err="1">
-                <a:sym typeface="Wingdings" panose="05000000000000000000" pitchFamily="2" charset="2"/>
-              </a:rPr>
-              <a:t>password</a:t>
-            </a:r>
-            <a:endParaRPr lang="fr-FR" dirty="0">
-              <a:sym typeface="Wingdings" panose="05000000000000000000" pitchFamily="2" charset="2"/>
-            </a:endParaRPr>
-          </a:p>
-          <a:p>
-            <a:endParaRPr lang="de-DE" dirty="0"/>
-          </a:p>
-        </p:txBody>
-      </p:sp>
-    </p:spTree>
-    <p:extLst>
-      <p:ext uri="{BB962C8B-B14F-4D97-AF65-F5344CB8AC3E}">
-        <p14:creationId xmlns:p14="http://schemas.microsoft.com/office/powerpoint/2010/main" val="1564126420"/>
-      </p:ext>
-    </p:extLst>
-  </p:cSld>
-  <p:clrMapOvr>
-    <a:masterClrMapping/>
-  </p:clrMapOvr>
-</p:sld>
-</file>
-
-<file path=ppt/slides/slide18.xml><?xml version="1.0" encoding="utf-8"?>
-<p:sld xmlns:a="http://schemas.openxmlformats.org/drawingml/2006/main" xmlns:r="http://schemas.openxmlformats.org/officeDocument/2006/relationships" xmlns:p="http://schemas.openxmlformats.org/presentationml/2006/main">
-  <p:cSld>
-    <p:spTree>
-      <p:nvGrpSpPr>
-        <p:cNvPr id="1" name=""/>
-        <p:cNvGrpSpPr/>
-        <p:nvPr/>
-      </p:nvGrpSpPr>
-      <p:grpSpPr>
-        <a:xfrm>
-          <a:off x="0" y="0"/>
-          <a:ext cx="0" cy="0"/>
-          <a:chOff x="0" y="0"/>
-          <a:chExt cx="0" cy="0"/>
-        </a:xfrm>
-      </p:grpSpPr>
-      <p:sp>
-        <p:nvSpPr>
-          <p:cNvPr id="2" name="Titel 1">
-            <a:extLst>
-              <a:ext uri="{FF2B5EF4-FFF2-40B4-BE49-F238E27FC236}">
-                <a16:creationId xmlns:a16="http://schemas.microsoft.com/office/drawing/2014/main" id="{F7D128D8-A7B7-468A-85B7-924D6F416C80}"/>
-              </a:ext>
-            </a:extLst>
-          </p:cNvPr>
-          <p:cNvSpPr>
-            <a:spLocks noGrp="1"/>
-          </p:cNvSpPr>
-          <p:nvPr>
-            <p:ph type="title"/>
-          </p:nvPr>
-        </p:nvSpPr>
-        <p:spPr/>
-        <p:txBody>
-          <a:bodyPr/>
-          <a:lstStyle/>
-          <a:p>
-            <a:r>
-              <a:rPr lang="de-DE" dirty="0" err="1"/>
-              <a:t>IntellJ</a:t>
-            </a:r>
-            <a:r>
-              <a:rPr lang="de-DE" dirty="0"/>
-              <a:t> Project</a:t>
-            </a:r>
-          </a:p>
-        </p:txBody>
-      </p:sp>
-      <p:sp>
-        <p:nvSpPr>
-          <p:cNvPr id="3" name="Inhaltsplatzhalter 2">
-            <a:extLst>
-              <a:ext uri="{FF2B5EF4-FFF2-40B4-BE49-F238E27FC236}">
-                <a16:creationId xmlns:a16="http://schemas.microsoft.com/office/drawing/2014/main" id="{C16E588F-7FC7-4D96-AFDB-18A33E12E755}"/>
-              </a:ext>
-            </a:extLst>
-          </p:cNvPr>
-          <p:cNvSpPr>
-            <a:spLocks noGrp="1"/>
-          </p:cNvSpPr>
-          <p:nvPr>
-            <p:ph idx="1"/>
-          </p:nvPr>
-        </p:nvSpPr>
-        <p:spPr/>
-        <p:txBody>
-          <a:bodyPr/>
-          <a:lstStyle/>
-          <a:p>
-            <a:endParaRPr lang="de-DE"/>
-          </a:p>
-        </p:txBody>
-      </p:sp>
-      <p:pic>
-        <p:nvPicPr>
-          <p:cNvPr id="5" name="Grafik 4">
-            <a:extLst>
-              <a:ext uri="{FF2B5EF4-FFF2-40B4-BE49-F238E27FC236}">
-                <a16:creationId xmlns:a16="http://schemas.microsoft.com/office/drawing/2014/main" id="{39FB2367-1AC5-43C0-9B25-89CF1E5BC72E}"/>
-              </a:ext>
-            </a:extLst>
-          </p:cNvPr>
-          <p:cNvPicPr>
-            <a:picLocks noChangeAspect="1"/>
-          </p:cNvPicPr>
-          <p:nvPr/>
-        </p:nvPicPr>
-        <p:blipFill>
-          <a:blip r:embed="rId2"/>
-          <a:stretch>
-            <a:fillRect/>
-          </a:stretch>
-        </p:blipFill>
-        <p:spPr>
-          <a:xfrm>
-            <a:off x="457200" y="1677194"/>
-            <a:ext cx="11277600" cy="4648200"/>
-          </a:xfrm>
-          <a:prstGeom prst="rect">
-            <a:avLst/>
-          </a:prstGeom>
-        </p:spPr>
-      </p:pic>
-    </p:spTree>
-    <p:extLst>
-      <p:ext uri="{BB962C8B-B14F-4D97-AF65-F5344CB8AC3E}">
-        <p14:creationId xmlns:p14="http://schemas.microsoft.com/office/powerpoint/2010/main" val="3358161765"/>
-      </p:ext>
-    </p:extLst>
-  </p:cSld>
-  <p:clrMapOvr>
-    <a:masterClrMapping/>
-  </p:clrMapOvr>
-</p:sld>
-</file>
-
 <file path=ppt/slides/slide19.xml><?xml version="1.0" encoding="utf-8"?>
 <p:sld xmlns:a="http://schemas.openxmlformats.org/drawingml/2006/main" xmlns:r="http://schemas.openxmlformats.org/officeDocument/2006/relationships" xmlns:p="http://schemas.openxmlformats.org/presentationml/2006/main">
   <p:cSld>
@@ -8469,7 +8350,7 @@
           <p:cNvPr id="2" name="Titel 1">
             <a:extLst>
               <a:ext uri="{FF2B5EF4-FFF2-40B4-BE49-F238E27FC236}">
-                <a16:creationId xmlns:a16="http://schemas.microsoft.com/office/drawing/2014/main" id="{4E0D634D-EB2B-445B-99D6-D40D01FF8E26}"/>
+                <a16:creationId xmlns:a16="http://schemas.microsoft.com/office/drawing/2014/main" id="{1B481A0A-F08E-4976-A3BC-7407811A7063}"/>
               </a:ext>
             </a:extLst>
           </p:cNvPr>
@@ -8487,11 +8368,19 @@
           <a:p>
             <a:r>
               <a:rPr lang="de-DE" dirty="0"/>
-              <a:t>Maven Settings in </a:t>
+              <a:t>Add </a:t>
             </a:r>
             <a:r>
               <a:rPr lang="de-DE" dirty="0" err="1"/>
-              <a:t>IntelliJ</a:t>
+              <a:t>to</a:t>
+            </a:r>
+            <a:r>
+              <a:rPr lang="de-DE" dirty="0"/>
+              <a:t> </a:t>
+            </a:r>
+            <a:r>
+              <a:rPr lang="de-DE" dirty="0" err="1"/>
+              <a:t>git</a:t>
             </a:r>
             <a:endParaRPr lang="de-DE" dirty="0"/>
           </a:p>
@@ -8502,7 +8391,7 @@
           <p:cNvPr id="3" name="Inhaltsplatzhalter 2">
             <a:extLst>
               <a:ext uri="{FF2B5EF4-FFF2-40B4-BE49-F238E27FC236}">
-                <a16:creationId xmlns:a16="http://schemas.microsoft.com/office/drawing/2014/main" id="{CACE247A-5C7D-4DF6-8D7C-60209FD24470}"/>
+                <a16:creationId xmlns:a16="http://schemas.microsoft.com/office/drawing/2014/main" id="{1877E5B9-C882-4DC5-AB1F-E63948EF0501}"/>
               </a:ext>
             </a:extLst>
           </p:cNvPr>
@@ -8513,49 +8402,138 @@
             <p:ph idx="1"/>
           </p:nvPr>
         </p:nvSpPr>
-        <p:spPr/>
+        <p:spPr>
+          <a:xfrm>
+            <a:off x="838200" y="1690688"/>
+            <a:ext cx="10515600" cy="4351338"/>
+          </a:xfrm>
+        </p:spPr>
         <p:txBody>
-          <a:bodyPr/>
+          <a:bodyPr>
+            <a:normAutofit fontScale="85000" lnSpcReduction="20000"/>
+          </a:bodyPr>
           <a:lstStyle/>
           <a:p>
-            <a:endParaRPr lang="de-DE"/>
+            <a:pPr marL="0" indent="0">
+              <a:buNone/>
+            </a:pPr>
+            <a:r>
+              <a:rPr lang="en-US" dirty="0"/>
+              <a:t>git </a:t>
+            </a:r>
+            <a:r>
+              <a:rPr lang="en-US" dirty="0" err="1"/>
+              <a:t>init</a:t>
+            </a:r>
+            <a:endParaRPr lang="en-US" dirty="0"/>
+          </a:p>
+          <a:p>
+            <a:pPr marL="0" indent="0">
+              <a:buNone/>
+            </a:pPr>
+            <a:r>
+              <a:rPr lang="en-US" dirty="0"/>
+              <a:t>git add –A </a:t>
+            </a:r>
+          </a:p>
+          <a:p>
+            <a:pPr marL="0" indent="0">
+              <a:buNone/>
+            </a:pPr>
+            <a:r>
+              <a:rPr lang="en-US" dirty="0"/>
+              <a:t>git commit -m "first commit"</a:t>
+            </a:r>
+          </a:p>
+          <a:p>
+            <a:pPr marL="0" indent="0">
+              <a:buNone/>
+            </a:pPr>
+            <a:r>
+              <a:rPr lang="en-US" dirty="0"/>
+              <a:t>git branch -M main</a:t>
+            </a:r>
+          </a:p>
+          <a:p>
+            <a:pPr marL="0" indent="0">
+              <a:buNone/>
+            </a:pPr>
+            <a:r>
+              <a:rPr lang="en-US" dirty="0"/>
+              <a:t>git remote add origin </a:t>
+            </a:r>
+            <a:r>
+              <a:rPr lang="en-US" dirty="0">
+                <a:hlinkClick r:id="rId2"/>
+              </a:rPr>
+              <a:t>https://github.com/chrascher/quarkus_demo.git</a:t>
+            </a:r>
+            <a:endParaRPr lang="en-US" dirty="0"/>
+          </a:p>
+          <a:p>
+            <a:pPr marL="0" indent="0">
+              <a:buNone/>
+            </a:pPr>
+            <a:endParaRPr lang="en-US" dirty="0"/>
+          </a:p>
+          <a:p>
+            <a:pPr marL="0" indent="0">
+              <a:buNone/>
+            </a:pPr>
+            <a:r>
+              <a:rPr lang="en-US" dirty="0"/>
+              <a:t>git remote add origin </a:t>
+            </a:r>
+            <a:r>
+              <a:rPr lang="en-US" dirty="0">
+                <a:hlinkClick r:id="rId3"/>
+              </a:rPr>
+              <a:t>https://github.com/&lt;user&gt;/quarkus_demo.git</a:t>
+            </a:r>
+            <a:endParaRPr lang="en-US" dirty="0"/>
+          </a:p>
+          <a:p>
+            <a:pPr marL="0" indent="0">
+              <a:buNone/>
+            </a:pPr>
+            <a:endParaRPr lang="en-US" dirty="0"/>
+          </a:p>
+          <a:p>
+            <a:pPr marL="0" indent="0">
+              <a:buNone/>
+            </a:pPr>
+            <a:r>
+              <a:rPr lang="en-US" dirty="0"/>
+              <a:t>git push -u origin main</a:t>
+            </a:r>
+          </a:p>
+          <a:p>
+            <a:pPr marL="0" indent="0">
+              <a:buNone/>
+            </a:pPr>
+            <a:endParaRPr lang="en-US" dirty="0"/>
+          </a:p>
+          <a:p>
+            <a:pPr marL="0" indent="0">
+              <a:buNone/>
+            </a:pPr>
+            <a:r>
+              <a:rPr lang="en-US" dirty="0"/>
+              <a:t>git pull</a:t>
+            </a:r>
+          </a:p>
+          <a:p>
+            <a:pPr marL="0" indent="0">
+              <a:buNone/>
+            </a:pPr>
+            <a:endParaRPr lang="de-DE" dirty="0"/>
           </a:p>
         </p:txBody>
       </p:sp>
-      <p:pic>
-        <p:nvPicPr>
-          <p:cNvPr id="5" name="Grafik 4">
-            <a:extLst>
-              <a:ext uri="{FF2B5EF4-FFF2-40B4-BE49-F238E27FC236}">
-                <a16:creationId xmlns:a16="http://schemas.microsoft.com/office/drawing/2014/main" id="{BED53A60-D3FF-4488-B32B-B964F80F9954}"/>
-              </a:ext>
-            </a:extLst>
-          </p:cNvPr>
-          <p:cNvPicPr>
-            <a:picLocks noChangeAspect="1"/>
-          </p:cNvPicPr>
-          <p:nvPr/>
-        </p:nvPicPr>
-        <p:blipFill>
-          <a:blip r:embed="rId2"/>
-          <a:stretch>
-            <a:fillRect/>
-          </a:stretch>
-        </p:blipFill>
-        <p:spPr>
-          <a:xfrm>
-            <a:off x="952500" y="1677194"/>
-            <a:ext cx="10287000" cy="4648200"/>
-          </a:xfrm>
-          <a:prstGeom prst="rect">
-            <a:avLst/>
-          </a:prstGeom>
-        </p:spPr>
-      </p:pic>
     </p:spTree>
     <p:extLst>
       <p:ext uri="{BB962C8B-B14F-4D97-AF65-F5344CB8AC3E}">
-        <p14:creationId xmlns:p14="http://schemas.microsoft.com/office/powerpoint/2010/main" val="3820337805"/>
+        <p14:creationId xmlns:p14="http://schemas.microsoft.com/office/powerpoint/2010/main" val="2390839203"/>
       </p:ext>
     </p:extLst>
   </p:cSld>
@@ -8697,6 +8675,465 @@
           <p:cNvPr id="2" name="Titel 1">
             <a:extLst>
               <a:ext uri="{FF2B5EF4-FFF2-40B4-BE49-F238E27FC236}">
+                <a16:creationId xmlns:a16="http://schemas.microsoft.com/office/drawing/2014/main" id="{7BB1E7AE-138B-4823-B778-45D0A664B79C}"/>
+              </a:ext>
+            </a:extLst>
+          </p:cNvPr>
+          <p:cNvSpPr>
+            <a:spLocks noGrp="1"/>
+          </p:cNvSpPr>
+          <p:nvPr>
+            <p:ph type="title"/>
+          </p:nvPr>
+        </p:nvSpPr>
+        <p:spPr/>
+        <p:txBody>
+          <a:bodyPr/>
+          <a:lstStyle/>
+          <a:p>
+            <a:r>
+              <a:rPr lang="de-DE" dirty="0"/>
+              <a:t>Import </a:t>
+            </a:r>
+            <a:r>
+              <a:rPr lang="de-DE" dirty="0" err="1"/>
+              <a:t>into</a:t>
+            </a:r>
+            <a:r>
+              <a:rPr lang="de-DE" dirty="0"/>
+              <a:t> </a:t>
+            </a:r>
+            <a:r>
+              <a:rPr lang="de-DE" dirty="0" err="1"/>
+              <a:t>intelliJ</a:t>
+            </a:r>
+            <a:endParaRPr lang="de-DE" dirty="0"/>
+          </a:p>
+        </p:txBody>
+      </p:sp>
+      <p:sp>
+        <p:nvSpPr>
+          <p:cNvPr id="3" name="Inhaltsplatzhalter 2">
+            <a:extLst>
+              <a:ext uri="{FF2B5EF4-FFF2-40B4-BE49-F238E27FC236}">
+                <a16:creationId xmlns:a16="http://schemas.microsoft.com/office/drawing/2014/main" id="{EDAD9A2A-251F-4FE3-93CB-23A9EA3D9E4C}"/>
+              </a:ext>
+            </a:extLst>
+          </p:cNvPr>
+          <p:cNvSpPr>
+            <a:spLocks noGrp="1"/>
+          </p:cNvSpPr>
+          <p:nvPr>
+            <p:ph idx="1"/>
+          </p:nvPr>
+        </p:nvSpPr>
+        <p:spPr/>
+        <p:txBody>
+          <a:bodyPr/>
+          <a:lstStyle/>
+          <a:p>
+            <a:r>
+              <a:rPr lang="de-DE" dirty="0"/>
+              <a:t>Open </a:t>
+            </a:r>
+            <a:r>
+              <a:rPr lang="de-DE" dirty="0" err="1"/>
+              <a:t>IntelliJ</a:t>
+            </a:r>
+            <a:r>
+              <a:rPr lang="de-DE" dirty="0"/>
+              <a:t> </a:t>
+            </a:r>
+            <a:r>
+              <a:rPr lang="de-DE" dirty="0">
+                <a:sym typeface="Wingdings" panose="05000000000000000000" pitchFamily="2" charset="2"/>
+              </a:rPr>
+              <a:t> Open Project</a:t>
+            </a:r>
+          </a:p>
+          <a:p>
+            <a:r>
+              <a:rPr lang="de-DE" dirty="0" err="1">
+                <a:sym typeface="Wingdings" panose="05000000000000000000" pitchFamily="2" charset="2"/>
+              </a:rPr>
+              <a:t>Choose</a:t>
+            </a:r>
+            <a:r>
+              <a:rPr lang="de-DE" dirty="0">
+                <a:sym typeface="Wingdings" panose="05000000000000000000" pitchFamily="2" charset="2"/>
+              </a:rPr>
+              <a:t> </a:t>
+            </a:r>
+            <a:r>
+              <a:rPr lang="de-DE" dirty="0" err="1">
+                <a:sym typeface="Wingdings" panose="05000000000000000000" pitchFamily="2" charset="2"/>
+              </a:rPr>
+              <a:t>directory</a:t>
+            </a:r>
+            <a:r>
+              <a:rPr lang="de-DE" dirty="0">
+                <a:sym typeface="Wingdings" panose="05000000000000000000" pitchFamily="2" charset="2"/>
+              </a:rPr>
+              <a:t>: </a:t>
+            </a:r>
+            <a:r>
+              <a:rPr lang="de-DE" dirty="0" err="1">
+                <a:sym typeface="Wingdings" panose="05000000000000000000" pitchFamily="2" charset="2"/>
+              </a:rPr>
+              <a:t>z.b.</a:t>
+            </a:r>
+            <a:r>
+              <a:rPr lang="de-DE" dirty="0">
+                <a:sym typeface="Wingdings" panose="05000000000000000000" pitchFamily="2" charset="2"/>
+              </a:rPr>
+              <a:t> </a:t>
+            </a:r>
+            <a:r>
+              <a:rPr lang="fr-FR" dirty="0">
+                <a:sym typeface="Wingdings" panose="05000000000000000000" pitchFamily="2" charset="2"/>
+              </a:rPr>
+              <a:t>D:\002_cloud_dev\quarkus-demo</a:t>
+            </a:r>
+          </a:p>
+          <a:p>
+            <a:r>
+              <a:rPr lang="fr-FR" dirty="0">
+                <a:sym typeface="Wingdings" panose="05000000000000000000" pitchFamily="2" charset="2"/>
+              </a:rPr>
+              <a:t>Open </a:t>
+            </a:r>
+            <a:r>
+              <a:rPr lang="fr-FR" dirty="0" err="1">
+                <a:sym typeface="Wingdings" panose="05000000000000000000" pitchFamily="2" charset="2"/>
+              </a:rPr>
+              <a:t>project</a:t>
+            </a:r>
+            <a:endParaRPr lang="fr-FR" dirty="0">
+              <a:sym typeface="Wingdings" panose="05000000000000000000" pitchFamily="2" charset="2"/>
+            </a:endParaRPr>
+          </a:p>
+          <a:p>
+            <a:r>
+              <a:rPr lang="fr-FR" dirty="0" err="1">
+                <a:sym typeface="Wingdings" panose="05000000000000000000" pitchFamily="2" charset="2"/>
+              </a:rPr>
+              <a:t>Conntect</a:t>
+            </a:r>
+            <a:r>
+              <a:rPr lang="fr-FR" dirty="0">
+                <a:sym typeface="Wingdings" panose="05000000000000000000" pitchFamily="2" charset="2"/>
+              </a:rPr>
+              <a:t> to </a:t>
+            </a:r>
+            <a:r>
+              <a:rPr lang="fr-FR" dirty="0" err="1">
+                <a:sym typeface="Wingdings" panose="05000000000000000000" pitchFamily="2" charset="2"/>
+              </a:rPr>
+              <a:t>github</a:t>
+            </a:r>
+            <a:r>
+              <a:rPr lang="fr-FR" dirty="0">
+                <a:sym typeface="Wingdings" panose="05000000000000000000" pitchFamily="2" charset="2"/>
+              </a:rPr>
+              <a:t> and </a:t>
+            </a:r>
+            <a:r>
+              <a:rPr lang="fr-FR" dirty="0" err="1">
+                <a:sym typeface="Wingdings" panose="05000000000000000000" pitchFamily="2" charset="2"/>
+              </a:rPr>
+              <a:t>provide</a:t>
+            </a:r>
+            <a:r>
+              <a:rPr lang="fr-FR" dirty="0">
+                <a:sym typeface="Wingdings" panose="05000000000000000000" pitchFamily="2" charset="2"/>
+              </a:rPr>
+              <a:t> </a:t>
+            </a:r>
+            <a:r>
+              <a:rPr lang="fr-FR" dirty="0" err="1">
+                <a:sym typeface="Wingdings" panose="05000000000000000000" pitchFamily="2" charset="2"/>
+              </a:rPr>
+              <a:t>password</a:t>
+            </a:r>
+            <a:endParaRPr lang="fr-FR" dirty="0">
+              <a:sym typeface="Wingdings" panose="05000000000000000000" pitchFamily="2" charset="2"/>
+            </a:endParaRPr>
+          </a:p>
+          <a:p>
+            <a:endParaRPr lang="de-DE" dirty="0"/>
+          </a:p>
+        </p:txBody>
+      </p:sp>
+    </p:spTree>
+    <p:extLst>
+      <p:ext uri="{BB962C8B-B14F-4D97-AF65-F5344CB8AC3E}">
+        <p14:creationId xmlns:p14="http://schemas.microsoft.com/office/powerpoint/2010/main" val="1564126420"/>
+      </p:ext>
+    </p:extLst>
+  </p:cSld>
+  <p:clrMapOvr>
+    <a:masterClrMapping/>
+  </p:clrMapOvr>
+</p:sld>
+</file>
+
+<file path=ppt/slides/slide21.xml><?xml version="1.0" encoding="utf-8"?>
+<p:sld xmlns:a="http://schemas.openxmlformats.org/drawingml/2006/main" xmlns:r="http://schemas.openxmlformats.org/officeDocument/2006/relationships" xmlns:p="http://schemas.openxmlformats.org/presentationml/2006/main">
+  <p:cSld>
+    <p:spTree>
+      <p:nvGrpSpPr>
+        <p:cNvPr id="1" name=""/>
+        <p:cNvGrpSpPr/>
+        <p:nvPr/>
+      </p:nvGrpSpPr>
+      <p:grpSpPr>
+        <a:xfrm>
+          <a:off x="0" y="0"/>
+          <a:ext cx="0" cy="0"/>
+          <a:chOff x="0" y="0"/>
+          <a:chExt cx="0" cy="0"/>
+        </a:xfrm>
+      </p:grpSpPr>
+      <p:sp>
+        <p:nvSpPr>
+          <p:cNvPr id="2" name="Titel 1">
+            <a:extLst>
+              <a:ext uri="{FF2B5EF4-FFF2-40B4-BE49-F238E27FC236}">
+                <a16:creationId xmlns:a16="http://schemas.microsoft.com/office/drawing/2014/main" id="{F7D128D8-A7B7-468A-85B7-924D6F416C80}"/>
+              </a:ext>
+            </a:extLst>
+          </p:cNvPr>
+          <p:cNvSpPr>
+            <a:spLocks noGrp="1"/>
+          </p:cNvSpPr>
+          <p:nvPr>
+            <p:ph type="title"/>
+          </p:nvPr>
+        </p:nvSpPr>
+        <p:spPr/>
+        <p:txBody>
+          <a:bodyPr/>
+          <a:lstStyle/>
+          <a:p>
+            <a:r>
+              <a:rPr lang="de-DE" dirty="0" err="1"/>
+              <a:t>IntellJ</a:t>
+            </a:r>
+            <a:r>
+              <a:rPr lang="de-DE" dirty="0"/>
+              <a:t> Project</a:t>
+            </a:r>
+          </a:p>
+        </p:txBody>
+      </p:sp>
+      <p:sp>
+        <p:nvSpPr>
+          <p:cNvPr id="3" name="Inhaltsplatzhalter 2">
+            <a:extLst>
+              <a:ext uri="{FF2B5EF4-FFF2-40B4-BE49-F238E27FC236}">
+                <a16:creationId xmlns:a16="http://schemas.microsoft.com/office/drawing/2014/main" id="{C16E588F-7FC7-4D96-AFDB-18A33E12E755}"/>
+              </a:ext>
+            </a:extLst>
+          </p:cNvPr>
+          <p:cNvSpPr>
+            <a:spLocks noGrp="1"/>
+          </p:cNvSpPr>
+          <p:nvPr>
+            <p:ph idx="1"/>
+          </p:nvPr>
+        </p:nvSpPr>
+        <p:spPr/>
+        <p:txBody>
+          <a:bodyPr/>
+          <a:lstStyle/>
+          <a:p>
+            <a:endParaRPr lang="de-DE"/>
+          </a:p>
+        </p:txBody>
+      </p:sp>
+      <p:pic>
+        <p:nvPicPr>
+          <p:cNvPr id="5" name="Grafik 4">
+            <a:extLst>
+              <a:ext uri="{FF2B5EF4-FFF2-40B4-BE49-F238E27FC236}">
+                <a16:creationId xmlns:a16="http://schemas.microsoft.com/office/drawing/2014/main" id="{39FB2367-1AC5-43C0-9B25-89CF1E5BC72E}"/>
+              </a:ext>
+            </a:extLst>
+          </p:cNvPr>
+          <p:cNvPicPr>
+            <a:picLocks noChangeAspect="1"/>
+          </p:cNvPicPr>
+          <p:nvPr/>
+        </p:nvPicPr>
+        <p:blipFill>
+          <a:blip r:embed="rId2"/>
+          <a:stretch>
+            <a:fillRect/>
+          </a:stretch>
+        </p:blipFill>
+        <p:spPr>
+          <a:xfrm>
+            <a:off x="457200" y="1677194"/>
+            <a:ext cx="11277600" cy="4648200"/>
+          </a:xfrm>
+          <a:prstGeom prst="rect">
+            <a:avLst/>
+          </a:prstGeom>
+        </p:spPr>
+      </p:pic>
+    </p:spTree>
+    <p:extLst>
+      <p:ext uri="{BB962C8B-B14F-4D97-AF65-F5344CB8AC3E}">
+        <p14:creationId xmlns:p14="http://schemas.microsoft.com/office/powerpoint/2010/main" val="3358161765"/>
+      </p:ext>
+    </p:extLst>
+  </p:cSld>
+  <p:clrMapOvr>
+    <a:masterClrMapping/>
+  </p:clrMapOvr>
+</p:sld>
+</file>
+
+<file path=ppt/slides/slide22.xml><?xml version="1.0" encoding="utf-8"?>
+<p:sld xmlns:a="http://schemas.openxmlformats.org/drawingml/2006/main" xmlns:r="http://schemas.openxmlformats.org/officeDocument/2006/relationships" xmlns:p="http://schemas.openxmlformats.org/presentationml/2006/main">
+  <p:cSld>
+    <p:spTree>
+      <p:nvGrpSpPr>
+        <p:cNvPr id="1" name=""/>
+        <p:cNvGrpSpPr/>
+        <p:nvPr/>
+      </p:nvGrpSpPr>
+      <p:grpSpPr>
+        <a:xfrm>
+          <a:off x="0" y="0"/>
+          <a:ext cx="0" cy="0"/>
+          <a:chOff x="0" y="0"/>
+          <a:chExt cx="0" cy="0"/>
+        </a:xfrm>
+      </p:grpSpPr>
+      <p:sp>
+        <p:nvSpPr>
+          <p:cNvPr id="2" name="Titel 1">
+            <a:extLst>
+              <a:ext uri="{FF2B5EF4-FFF2-40B4-BE49-F238E27FC236}">
+                <a16:creationId xmlns:a16="http://schemas.microsoft.com/office/drawing/2014/main" id="{4E0D634D-EB2B-445B-99D6-D40D01FF8E26}"/>
+              </a:ext>
+            </a:extLst>
+          </p:cNvPr>
+          <p:cNvSpPr>
+            <a:spLocks noGrp="1"/>
+          </p:cNvSpPr>
+          <p:nvPr>
+            <p:ph type="title"/>
+          </p:nvPr>
+        </p:nvSpPr>
+        <p:spPr/>
+        <p:txBody>
+          <a:bodyPr/>
+          <a:lstStyle/>
+          <a:p>
+            <a:r>
+              <a:rPr lang="de-DE" dirty="0"/>
+              <a:t>Maven Settings in </a:t>
+            </a:r>
+            <a:r>
+              <a:rPr lang="de-DE" dirty="0" err="1"/>
+              <a:t>IntelliJ</a:t>
+            </a:r>
+            <a:endParaRPr lang="de-DE" dirty="0"/>
+          </a:p>
+        </p:txBody>
+      </p:sp>
+      <p:sp>
+        <p:nvSpPr>
+          <p:cNvPr id="3" name="Inhaltsplatzhalter 2">
+            <a:extLst>
+              <a:ext uri="{FF2B5EF4-FFF2-40B4-BE49-F238E27FC236}">
+                <a16:creationId xmlns:a16="http://schemas.microsoft.com/office/drawing/2014/main" id="{CACE247A-5C7D-4DF6-8D7C-60209FD24470}"/>
+              </a:ext>
+            </a:extLst>
+          </p:cNvPr>
+          <p:cNvSpPr>
+            <a:spLocks noGrp="1"/>
+          </p:cNvSpPr>
+          <p:nvPr>
+            <p:ph idx="1"/>
+          </p:nvPr>
+        </p:nvSpPr>
+        <p:spPr/>
+        <p:txBody>
+          <a:bodyPr/>
+          <a:lstStyle/>
+          <a:p>
+            <a:endParaRPr lang="de-DE"/>
+          </a:p>
+        </p:txBody>
+      </p:sp>
+      <p:pic>
+        <p:nvPicPr>
+          <p:cNvPr id="5" name="Grafik 4">
+            <a:extLst>
+              <a:ext uri="{FF2B5EF4-FFF2-40B4-BE49-F238E27FC236}">
+                <a16:creationId xmlns:a16="http://schemas.microsoft.com/office/drawing/2014/main" id="{BED53A60-D3FF-4488-B32B-B964F80F9954}"/>
+              </a:ext>
+            </a:extLst>
+          </p:cNvPr>
+          <p:cNvPicPr>
+            <a:picLocks noChangeAspect="1"/>
+          </p:cNvPicPr>
+          <p:nvPr/>
+        </p:nvPicPr>
+        <p:blipFill>
+          <a:blip r:embed="rId2"/>
+          <a:stretch>
+            <a:fillRect/>
+          </a:stretch>
+        </p:blipFill>
+        <p:spPr>
+          <a:xfrm>
+            <a:off x="952500" y="1677194"/>
+            <a:ext cx="10287000" cy="4648200"/>
+          </a:xfrm>
+          <a:prstGeom prst="rect">
+            <a:avLst/>
+          </a:prstGeom>
+        </p:spPr>
+      </p:pic>
+    </p:spTree>
+    <p:extLst>
+      <p:ext uri="{BB962C8B-B14F-4D97-AF65-F5344CB8AC3E}">
+        <p14:creationId xmlns:p14="http://schemas.microsoft.com/office/powerpoint/2010/main" val="3820337805"/>
+      </p:ext>
+    </p:extLst>
+  </p:cSld>
+  <p:clrMapOvr>
+    <a:masterClrMapping/>
+  </p:clrMapOvr>
+</p:sld>
+</file>
+
+<file path=ppt/slides/slide23.xml><?xml version="1.0" encoding="utf-8"?>
+<p:sld xmlns:a="http://schemas.openxmlformats.org/drawingml/2006/main" xmlns:r="http://schemas.openxmlformats.org/officeDocument/2006/relationships" xmlns:p="http://schemas.openxmlformats.org/presentationml/2006/main">
+  <p:cSld>
+    <p:spTree>
+      <p:nvGrpSpPr>
+        <p:cNvPr id="1" name=""/>
+        <p:cNvGrpSpPr/>
+        <p:nvPr/>
+      </p:nvGrpSpPr>
+      <p:grpSpPr>
+        <a:xfrm>
+          <a:off x="0" y="0"/>
+          <a:ext cx="0" cy="0"/>
+          <a:chOff x="0" y="0"/>
+          <a:chExt cx="0" cy="0"/>
+        </a:xfrm>
+      </p:grpSpPr>
+      <p:sp>
+        <p:nvSpPr>
+          <p:cNvPr id="2" name="Titel 1">
+            <a:extLst>
+              <a:ext uri="{FF2B5EF4-FFF2-40B4-BE49-F238E27FC236}">
                 <a16:creationId xmlns:a16="http://schemas.microsoft.com/office/drawing/2014/main" id="{3F26D9B5-119C-49D3-B00C-8CF2C579D172}"/>
               </a:ext>
             </a:extLst>
@@ -8775,7 +9212,7 @@
 </p:sld>
 </file>
 
-<file path=ppt/slides/slide21.xml><?xml version="1.0" encoding="utf-8"?>
+<file path=ppt/slides/slide24.xml><?xml version="1.0" encoding="utf-8"?>
 <p:sld xmlns:a="http://schemas.openxmlformats.org/drawingml/2006/main" xmlns:r="http://schemas.openxmlformats.org/officeDocument/2006/relationships" xmlns:p="http://schemas.openxmlformats.org/presentationml/2006/main">
   <p:cSld>
     <p:spTree>
@@ -8962,7 +9399,7 @@
 </p:sld>
 </file>
 
-<file path=ppt/slides/slide22.xml><?xml version="1.0" encoding="utf-8"?>
+<file path=ppt/slides/slide25.xml><?xml version="1.0" encoding="utf-8"?>
 <p:sld xmlns:a="http://schemas.openxmlformats.org/drawingml/2006/main" xmlns:r="http://schemas.openxmlformats.org/officeDocument/2006/relationships" xmlns:p="http://schemas.openxmlformats.org/presentationml/2006/main">
   <p:cSld>
     <p:spTree>
@@ -9146,7 +9583,7 @@
 </p:sld>
 </file>
 
-<file path=ppt/slides/slide23.xml><?xml version="1.0" encoding="utf-8"?>
+<file path=ppt/slides/slide26.xml><?xml version="1.0" encoding="utf-8"?>
 <p:sld xmlns:a="http://schemas.openxmlformats.org/drawingml/2006/main" xmlns:r="http://schemas.openxmlformats.org/officeDocument/2006/relationships" xmlns:p="http://schemas.openxmlformats.org/presentationml/2006/main">
   <p:cSld>
     <p:spTree>
@@ -9326,7 +9763,7 @@
 </p:sld>
 </file>
 
-<file path=ppt/slides/slide24.xml><?xml version="1.0" encoding="utf-8"?>
+<file path=ppt/slides/slide27.xml><?xml version="1.0" encoding="utf-8"?>
 <p:sld xmlns:a="http://schemas.openxmlformats.org/drawingml/2006/main" xmlns:r="http://schemas.openxmlformats.org/officeDocument/2006/relationships" xmlns:p="http://schemas.openxmlformats.org/presentationml/2006/main">
   <p:cSld>
     <p:spTree>
@@ -9460,7 +9897,7 @@
 </p:sld>
 </file>
 
-<file path=ppt/slides/slide25.xml><?xml version="1.0" encoding="utf-8"?>
+<file path=ppt/slides/slide28.xml><?xml version="1.0" encoding="utf-8"?>
 <p:sld xmlns:a="http://schemas.openxmlformats.org/drawingml/2006/main" xmlns:r="http://schemas.openxmlformats.org/officeDocument/2006/relationships" xmlns:p="http://schemas.openxmlformats.org/presentationml/2006/main">
   <p:cSld>
     <p:spTree>
@@ -9766,10 +10203,10 @@
       </p:grpSpPr>
       <p:sp>
         <p:nvSpPr>
-          <p:cNvPr id="2" name="Titel 1">
-            <a:extLst>
-              <a:ext uri="{FF2B5EF4-FFF2-40B4-BE49-F238E27FC236}">
-                <a16:creationId xmlns:a16="http://schemas.microsoft.com/office/drawing/2014/main" id="{47BCB8A7-3DBD-45FE-8F6D-80323E9FE519}"/>
+          <p:cNvPr id="2" name="Title 1">
+            <a:extLst>
+              <a:ext uri="{FF2B5EF4-FFF2-40B4-BE49-F238E27FC236}">
+                <a16:creationId xmlns:a16="http://schemas.microsoft.com/office/drawing/2014/main" id="{3A15E71E-ADCF-E8D1-30A9-65A516B14F7E}"/>
               </a:ext>
             </a:extLst>
           </p:cNvPr>
@@ -9787,17 +10224,18 @@
           <a:p>
             <a:r>
               <a:rPr lang="de-DE" dirty="0"/>
-              <a:t>Inhalt</a:t>
-            </a:r>
+              <a:t>Mitschrift Tag 4</a:t>
+            </a:r>
+            <a:endParaRPr lang="en-US" dirty="0"/>
           </a:p>
         </p:txBody>
       </p:sp>
       <p:sp>
         <p:nvSpPr>
-          <p:cNvPr id="3" name="Inhaltsplatzhalter 2">
-            <a:extLst>
-              <a:ext uri="{FF2B5EF4-FFF2-40B4-BE49-F238E27FC236}">
-                <a16:creationId xmlns:a16="http://schemas.microsoft.com/office/drawing/2014/main" id="{ED9F2DA0-D175-48FE-8A21-8EEB7E7FBEB9}"/>
+          <p:cNvPr id="3" name="Text Placeholder 2">
+            <a:extLst>
+              <a:ext uri="{FF2B5EF4-FFF2-40B4-BE49-F238E27FC236}">
+                <a16:creationId xmlns:a16="http://schemas.microsoft.com/office/drawing/2014/main" id="{CEC1E6B2-AB05-CACD-18A3-7564CEFDF027}"/>
               </a:ext>
             </a:extLst>
           </p:cNvPr>
@@ -9805,322 +10243,22 @@
             <a:spLocks noGrp="1"/>
           </p:cNvSpPr>
           <p:nvPr>
-            <p:ph idx="1"/>
+            <p:ph type="body" idx="1"/>
           </p:nvPr>
         </p:nvSpPr>
-        <p:spPr>
-          <a:xfrm>
-            <a:off x="838200" y="1326382"/>
-            <a:ext cx="10515600" cy="4850581"/>
-          </a:xfrm>
-        </p:spPr>
+        <p:spPr/>
         <p:txBody>
-          <a:bodyPr>
-            <a:normAutofit fontScale="47500" lnSpcReduction="20000"/>
-          </a:bodyPr>
+          <a:bodyPr/>
           <a:lstStyle/>
           <a:p>
-            <a:r>
-              <a:rPr lang="de-DE" dirty="0" err="1"/>
-              <a:t>Quarkus</a:t>
-            </a:r>
-            <a:r>
-              <a:rPr lang="de-DE" dirty="0"/>
-              <a:t> – Voraussetzungen - </a:t>
-            </a:r>
-            <a:r>
-              <a:rPr lang="de-DE" dirty="0" err="1"/>
-              <a:t>Prerequsites</a:t>
-            </a:r>
-            <a:endParaRPr lang="de-DE" dirty="0"/>
-          </a:p>
-          <a:p>
-            <a:r>
-              <a:rPr lang="de-DE" dirty="0"/>
-              <a:t>Maven Quickstart: Create </a:t>
-            </a:r>
-            <a:r>
-              <a:rPr lang="de-DE" dirty="0" err="1"/>
-              <a:t>by</a:t>
-            </a:r>
-            <a:r>
-              <a:rPr lang="de-DE" dirty="0"/>
-              <a:t> </a:t>
-            </a:r>
-            <a:r>
-              <a:rPr lang="de-DE" dirty="0" err="1"/>
-              <a:t>hand</a:t>
-            </a:r>
-            <a:endParaRPr lang="de-DE" dirty="0"/>
-          </a:p>
-          <a:p>
-            <a:r>
-              <a:rPr lang="de-DE" dirty="0" err="1"/>
-              <a:t>Quarkus</a:t>
-            </a:r>
-            <a:r>
-              <a:rPr lang="de-DE" dirty="0"/>
-              <a:t> Quickstart: </a:t>
-            </a:r>
-            <a:r>
-              <a:rPr lang="de-DE" dirty="0" err="1"/>
-              <a:t>create</a:t>
-            </a:r>
-            <a:r>
-              <a:rPr lang="de-DE" dirty="0"/>
-              <a:t> via </a:t>
-            </a:r>
-            <a:r>
-              <a:rPr lang="de-DE" dirty="0" err="1"/>
-              <a:t>IntelliJ</a:t>
-            </a:r>
-            <a:endParaRPr lang="de-DE" dirty="0"/>
-          </a:p>
-          <a:p>
-            <a:r>
-              <a:rPr lang="de-DE" dirty="0"/>
-              <a:t>Quickstart : launch </a:t>
-            </a:r>
-            <a:r>
-              <a:rPr lang="de-DE" dirty="0" err="1"/>
-              <a:t>new</a:t>
-            </a:r>
-            <a:r>
-              <a:rPr lang="de-DE" dirty="0"/>
-              <a:t> </a:t>
-            </a:r>
-            <a:r>
-              <a:rPr lang="de-DE" dirty="0" err="1"/>
-              <a:t>app</a:t>
-            </a:r>
-            <a:endParaRPr lang="de-DE" dirty="0"/>
-          </a:p>
-          <a:p>
-            <a:r>
-              <a:rPr lang="de-DE" dirty="0" err="1"/>
-              <a:t>Quarkus</a:t>
-            </a:r>
-            <a:r>
-              <a:rPr lang="de-DE" dirty="0"/>
-              <a:t> – </a:t>
-            </a:r>
-            <a:r>
-              <a:rPr lang="de-DE" dirty="0" err="1"/>
-              <a:t>Generated</a:t>
-            </a:r>
-            <a:r>
-              <a:rPr lang="de-DE" dirty="0"/>
-              <a:t> Output</a:t>
-            </a:r>
-          </a:p>
-          <a:p>
-            <a:r>
-              <a:rPr lang="de-DE" dirty="0" err="1"/>
-              <a:t>Quarkus</a:t>
-            </a:r>
-            <a:r>
-              <a:rPr lang="de-DE" dirty="0"/>
-              <a:t> Maven </a:t>
-            </a:r>
-            <a:r>
-              <a:rPr lang="de-DE" dirty="0" err="1"/>
-              <a:t>plugin</a:t>
-            </a:r>
-            <a:endParaRPr lang="de-DE" dirty="0"/>
-          </a:p>
-          <a:p>
-            <a:r>
-              <a:rPr lang="de-DE" dirty="0"/>
-              <a:t>Start </a:t>
-            </a:r>
-            <a:r>
-              <a:rPr lang="de-DE" dirty="0" err="1"/>
-              <a:t>Quarkus</a:t>
-            </a:r>
-            <a:r>
-              <a:rPr lang="de-DE" dirty="0"/>
-              <a:t> App</a:t>
-            </a:r>
-          </a:p>
-          <a:p>
-            <a:r>
-              <a:rPr lang="de-DE" dirty="0" err="1"/>
-              <a:t>Quarkus</a:t>
-            </a:r>
-            <a:r>
-              <a:rPr lang="de-DE" dirty="0"/>
-              <a:t> – Rest API</a:t>
-            </a:r>
-          </a:p>
-          <a:p>
-            <a:r>
-              <a:rPr lang="de-DE" dirty="0"/>
-              <a:t>Add </a:t>
-            </a:r>
-            <a:r>
-              <a:rPr lang="de-DE" dirty="0" err="1"/>
-              <a:t>to</a:t>
-            </a:r>
-            <a:r>
-              <a:rPr lang="de-DE" dirty="0"/>
-              <a:t> </a:t>
-            </a:r>
-            <a:r>
-              <a:rPr lang="de-DE" dirty="0" err="1"/>
-              <a:t>git</a:t>
-            </a:r>
-            <a:endParaRPr lang="de-DE" dirty="0"/>
-          </a:p>
-          <a:p>
-            <a:r>
-              <a:rPr lang="de-DE" dirty="0"/>
-              <a:t>Import </a:t>
-            </a:r>
-            <a:r>
-              <a:rPr lang="de-DE" dirty="0" err="1"/>
-              <a:t>into</a:t>
-            </a:r>
-            <a:r>
-              <a:rPr lang="de-DE" dirty="0"/>
-              <a:t> </a:t>
-            </a:r>
-            <a:r>
-              <a:rPr lang="de-DE" dirty="0" err="1"/>
-              <a:t>intelliJ</a:t>
-            </a:r>
-            <a:endParaRPr lang="de-DE" dirty="0"/>
-          </a:p>
-          <a:p>
-            <a:r>
-              <a:rPr lang="de-DE" dirty="0" err="1"/>
-              <a:t>IntellJ</a:t>
-            </a:r>
-            <a:r>
-              <a:rPr lang="de-DE" dirty="0"/>
-              <a:t> Project</a:t>
-            </a:r>
-          </a:p>
-          <a:p>
-            <a:r>
-              <a:rPr lang="de-DE" dirty="0"/>
-              <a:t>Maven Settings in </a:t>
-            </a:r>
-            <a:r>
-              <a:rPr lang="de-DE" dirty="0" err="1"/>
-              <a:t>IntelliJ</a:t>
-            </a:r>
-            <a:endParaRPr lang="de-DE" dirty="0"/>
-          </a:p>
-          <a:p>
-            <a:r>
-              <a:rPr lang="de-DE" dirty="0" err="1"/>
-              <a:t>Intellij</a:t>
-            </a:r>
-            <a:r>
-              <a:rPr lang="de-DE" dirty="0"/>
-              <a:t>: Java Settings </a:t>
-            </a:r>
-            <a:r>
-              <a:rPr lang="de-DE" dirty="0" err="1"/>
-              <a:t>for</a:t>
-            </a:r>
-            <a:r>
-              <a:rPr lang="de-DE" dirty="0"/>
-              <a:t> Java Project</a:t>
-            </a:r>
-          </a:p>
-          <a:p>
-            <a:r>
-              <a:rPr lang="de-DE" dirty="0"/>
-              <a:t>Run </a:t>
-            </a:r>
-            <a:r>
-              <a:rPr lang="de-DE" dirty="0" err="1"/>
-              <a:t>Quarkus</a:t>
-            </a:r>
-            <a:r>
-              <a:rPr lang="de-DE" dirty="0"/>
-              <a:t> </a:t>
-            </a:r>
-            <a:r>
-              <a:rPr lang="de-DE" dirty="0" err="1"/>
-              <a:t>from</a:t>
-            </a:r>
-            <a:r>
-              <a:rPr lang="de-DE" dirty="0"/>
-              <a:t> </a:t>
-            </a:r>
-            <a:r>
-              <a:rPr lang="de-DE" dirty="0" err="1"/>
-              <a:t>IntellJ</a:t>
-            </a:r>
-            <a:r>
-              <a:rPr lang="de-DE" dirty="0"/>
-              <a:t> </a:t>
-            </a:r>
-            <a:r>
-              <a:rPr lang="de-DE" dirty="0" err="1"/>
-              <a:t>maven</a:t>
-            </a:r>
-            <a:endParaRPr lang="de-DE" dirty="0"/>
-          </a:p>
-          <a:p>
-            <a:r>
-              <a:rPr lang="de-DE" dirty="0" err="1"/>
-              <a:t>Quarkus</a:t>
-            </a:r>
-            <a:r>
-              <a:rPr lang="de-DE" dirty="0"/>
-              <a:t> Development Mode</a:t>
-            </a:r>
-          </a:p>
-          <a:p>
-            <a:r>
-              <a:rPr lang="de-DE" dirty="0" err="1"/>
-              <a:t>IntelliJ</a:t>
-            </a:r>
-            <a:r>
-              <a:rPr lang="de-DE" dirty="0"/>
-              <a:t> - </a:t>
-            </a:r>
-            <a:r>
-              <a:rPr lang="de-DE" dirty="0" err="1"/>
-              <a:t>Quarkus</a:t>
-            </a:r>
-            <a:r>
-              <a:rPr lang="de-DE" dirty="0"/>
-              <a:t> – </a:t>
-            </a:r>
-            <a:r>
-              <a:rPr lang="de-DE" dirty="0" err="1"/>
-              <a:t>Attach</a:t>
-            </a:r>
-            <a:r>
-              <a:rPr lang="de-DE" dirty="0"/>
-              <a:t> Debugger</a:t>
-            </a:r>
-          </a:p>
-          <a:p>
-            <a:r>
-              <a:rPr lang="de-DE" dirty="0" err="1"/>
-              <a:t>Quarkus</a:t>
-            </a:r>
-            <a:r>
-              <a:rPr lang="de-DE" dirty="0"/>
-              <a:t> - </a:t>
-            </a:r>
-            <a:r>
-              <a:rPr lang="de-DE" dirty="0" err="1"/>
-              <a:t>Testing</a:t>
-            </a:r>
-            <a:endParaRPr lang="de-DE" dirty="0"/>
+            <a:endParaRPr lang="en-US"/>
           </a:p>
         </p:txBody>
       </p:sp>
     </p:spTree>
     <p:extLst>
       <p:ext uri="{BB962C8B-B14F-4D97-AF65-F5344CB8AC3E}">
-        <p14:creationId xmlns:p14="http://schemas.microsoft.com/office/powerpoint/2010/main" val="379312120"/>
+        <p14:creationId xmlns:p14="http://schemas.microsoft.com/office/powerpoint/2010/main" val="268999080"/>
       </p:ext>
     </p:extLst>
   </p:cSld>
@@ -10149,10 +10287,10 @@
       </p:grpSpPr>
       <p:sp>
         <p:nvSpPr>
-          <p:cNvPr id="2" name="Titel 1">
-            <a:extLst>
-              <a:ext uri="{FF2B5EF4-FFF2-40B4-BE49-F238E27FC236}">
-                <a16:creationId xmlns:a16="http://schemas.microsoft.com/office/drawing/2014/main" id="{980FC6FA-FEB1-4902-9AD7-9FAECA8E6D92}"/>
+          <p:cNvPr id="2" name="Title 1">
+            <a:extLst>
+              <a:ext uri="{FF2B5EF4-FFF2-40B4-BE49-F238E27FC236}">
+                <a16:creationId xmlns:a16="http://schemas.microsoft.com/office/drawing/2014/main" id="{4837D757-0B72-4F23-C19F-4FEAFC6631E9}"/>
               </a:ext>
             </a:extLst>
           </p:cNvPr>
@@ -10169,27 +10307,19 @@
           <a:lstStyle/>
           <a:p>
             <a:r>
-              <a:rPr lang="de-DE" dirty="0" err="1"/>
-              <a:t>Quarkus</a:t>
-            </a:r>
-            <a:r>
-              <a:rPr lang="de-DE" dirty="0"/>
-              <a:t> – Voraussetzungen - </a:t>
-            </a:r>
-            <a:r>
-              <a:rPr lang="de-DE" dirty="0" err="1"/>
-              <a:t>Prerequsites</a:t>
-            </a:r>
-            <a:endParaRPr lang="de-DE" dirty="0"/>
+              <a:rPr lang="de-DE" dirty="0"/>
+              <a:t>Wiederholung</a:t>
+            </a:r>
+            <a:endParaRPr lang="en-US" dirty="0"/>
           </a:p>
         </p:txBody>
       </p:sp>
       <p:sp>
         <p:nvSpPr>
-          <p:cNvPr id="3" name="Inhaltsplatzhalter 2">
-            <a:extLst>
-              <a:ext uri="{FF2B5EF4-FFF2-40B4-BE49-F238E27FC236}">
-                <a16:creationId xmlns:a16="http://schemas.microsoft.com/office/drawing/2014/main" id="{D76998DC-6076-41F1-91EC-E5658B415D4E}"/>
+          <p:cNvPr id="3" name="Content Placeholder 2">
+            <a:extLst>
+              <a:ext uri="{FF2B5EF4-FFF2-40B4-BE49-F238E27FC236}">
+                <a16:creationId xmlns:a16="http://schemas.microsoft.com/office/drawing/2014/main" id="{97EFD094-34C5-16A1-87B0-0797A30FA9E8}"/>
               </a:ext>
             </a:extLst>
           </p:cNvPr>
@@ -10206,29 +10336,146 @@
           <a:lstStyle/>
           <a:p>
             <a:r>
-              <a:rPr lang="en-US" dirty="0"/>
-              <a:t>IDE:  IntelliJ or Eclipse </a:t>
-            </a:r>
-          </a:p>
-          <a:p>
-            <a:r>
-              <a:rPr lang="en-US" dirty="0"/>
-              <a:t>JDK 11+ installed with JAVA_HOME configured appropriately</a:t>
-            </a:r>
-          </a:p>
-          <a:p>
-            <a:r>
-              <a:rPr lang="en-US" dirty="0"/>
-              <a:t>Apache Maven 3.8.1+</a:t>
+              <a:rPr lang="de-DE" dirty="0"/>
+              <a:t>Wiederholung </a:t>
+            </a:r>
+          </a:p>
+          <a:p>
+            <a:pPr lvl="1"/>
+            <a:r>
+              <a:rPr lang="de-DE" dirty="0"/>
+              <a:t>JPA  - Parent Child System</a:t>
+            </a:r>
+          </a:p>
+          <a:p>
+            <a:pPr lvl="1"/>
+            <a:r>
+              <a:rPr lang="de-DE" dirty="0"/>
+              <a:t>Version </a:t>
+            </a:r>
+            <a:r>
+              <a:rPr lang="de-DE" dirty="0" err="1"/>
+              <a:t>Number</a:t>
+            </a:r>
+            <a:r>
+              <a:rPr lang="de-DE" dirty="0"/>
+              <a:t> System</a:t>
+            </a:r>
+          </a:p>
+          <a:p>
+            <a:pPr lvl="1"/>
+            <a:r>
+              <a:rPr lang="de-DE" dirty="0" err="1"/>
+              <a:t>Bidrectionale</a:t>
+            </a:r>
+            <a:r>
+              <a:rPr lang="de-DE" dirty="0"/>
+              <a:t> </a:t>
+            </a:r>
+            <a:r>
+              <a:rPr lang="de-DE" dirty="0" err="1"/>
+              <a:t>Verknüufpung</a:t>
+            </a:r>
+            <a:r>
+              <a:rPr lang="de-DE" dirty="0"/>
+              <a:t> </a:t>
+            </a:r>
+            <a:r>
+              <a:rPr lang="de-DE" dirty="0" err="1"/>
+              <a:t>parent</a:t>
+            </a:r>
+            <a:r>
+              <a:rPr lang="de-DE" dirty="0"/>
+              <a:t> </a:t>
+            </a:r>
+            <a:r>
+              <a:rPr lang="de-DE" dirty="0" err="1"/>
+              <a:t>child</a:t>
             </a:r>
             <a:endParaRPr lang="de-DE" dirty="0"/>
+          </a:p>
+          <a:p>
+            <a:r>
+              <a:rPr lang="de-DE" dirty="0"/>
+              <a:t>Test</a:t>
+            </a:r>
+          </a:p>
+          <a:p>
+            <a:pPr lvl="1"/>
+            <a:r>
+              <a:rPr lang="de-DE" dirty="0"/>
+              <a:t>Test </a:t>
+            </a:r>
+            <a:r>
+              <a:rPr lang="de-DE" dirty="0" err="1"/>
+              <a:t>Component</a:t>
+            </a:r>
+            <a:endParaRPr lang="de-DE" dirty="0"/>
+          </a:p>
+          <a:p>
+            <a:pPr lvl="1"/>
+            <a:r>
+              <a:rPr lang="de-DE" dirty="0"/>
+              <a:t>Quarkus Test</a:t>
+            </a:r>
+          </a:p>
+          <a:p>
+            <a:pPr lvl="1"/>
+            <a:r>
+              <a:rPr lang="de-DE" dirty="0"/>
+              <a:t>JPA Test mit daten </a:t>
+            </a:r>
+            <a:r>
+              <a:rPr lang="de-DE" dirty="0" err="1"/>
+              <a:t>initialisierung</a:t>
+            </a:r>
+            <a:endParaRPr lang="de-DE" dirty="0"/>
+          </a:p>
+          <a:p>
+            <a:pPr lvl="1"/>
+            <a:r>
+              <a:rPr lang="de-DE" dirty="0"/>
+              <a:t>REST </a:t>
+            </a:r>
+            <a:r>
+              <a:rPr lang="de-DE" dirty="0" err="1"/>
+              <a:t>Assuired</a:t>
+            </a:r>
+            <a:r>
+              <a:rPr lang="de-DE" dirty="0"/>
+              <a:t> Test mit </a:t>
+            </a:r>
+            <a:r>
+              <a:rPr lang="de-DE" dirty="0" err="1"/>
+              <a:t>Object</a:t>
+            </a:r>
+            <a:r>
+              <a:rPr lang="de-DE" dirty="0"/>
+              <a:t> und POST </a:t>
+            </a:r>
+            <a:r>
+              <a:rPr lang="de-DE" dirty="0" err="1"/>
+              <a:t>methode</a:t>
+            </a:r>
+            <a:endParaRPr lang="de-DE" dirty="0"/>
+          </a:p>
+          <a:p>
+            <a:pPr lvl="1"/>
+            <a:r>
+              <a:rPr lang="de-DE" dirty="0"/>
+              <a:t>IT Test</a:t>
+            </a:r>
+          </a:p>
+          <a:p>
+            <a:pPr lvl="1"/>
+            <a:endParaRPr lang="en-US" dirty="0"/>
           </a:p>
         </p:txBody>
       </p:sp>
     </p:spTree>
     <p:extLst>
       <p:ext uri="{BB962C8B-B14F-4D97-AF65-F5344CB8AC3E}">
-        <p14:creationId xmlns:p14="http://schemas.microsoft.com/office/powerpoint/2010/main" val="4208000089"/>
+        <p14:creationId xmlns:p14="http://schemas.microsoft.com/office/powerpoint/2010/main" val="2307491361"/>
       </p:ext>
     </p:extLst>
   </p:cSld>
@@ -10257,10 +10504,10 @@
       </p:grpSpPr>
       <p:sp>
         <p:nvSpPr>
-          <p:cNvPr id="2" name="Titel 1">
-            <a:extLst>
-              <a:ext uri="{FF2B5EF4-FFF2-40B4-BE49-F238E27FC236}">
-                <a16:creationId xmlns:a16="http://schemas.microsoft.com/office/drawing/2014/main" id="{ABDC4C64-A494-48D6-B1FF-6370F5F255A2}"/>
+          <p:cNvPr id="2" name="Title 1">
+            <a:extLst>
+              <a:ext uri="{FF2B5EF4-FFF2-40B4-BE49-F238E27FC236}">
+                <a16:creationId xmlns:a16="http://schemas.microsoft.com/office/drawing/2014/main" id="{F8C71F3B-1CFB-4B78-757A-24688D25A20B}"/>
               </a:ext>
             </a:extLst>
           </p:cNvPr>
@@ -10276,32 +10523,16 @@
           <a:bodyPr/>
           <a:lstStyle/>
           <a:p>
-            <a:r>
-              <a:rPr lang="de-DE" dirty="0"/>
-              <a:t>Maven Quickstart: Create </a:t>
-            </a:r>
-            <a:r>
-              <a:rPr lang="de-DE" dirty="0" err="1"/>
-              <a:t>by</a:t>
-            </a:r>
-            <a:r>
-              <a:rPr lang="de-DE" dirty="0"/>
-              <a:t> </a:t>
-            </a:r>
-            <a:r>
-              <a:rPr lang="de-DE" dirty="0" err="1"/>
-              <a:t>hand</a:t>
-            </a:r>
-            <a:endParaRPr lang="de-DE" dirty="0"/>
+            <a:endParaRPr lang="en-US" dirty="0"/>
           </a:p>
         </p:txBody>
       </p:sp>
       <p:sp>
         <p:nvSpPr>
-          <p:cNvPr id="3" name="Inhaltsplatzhalter 2">
-            <a:extLst>
-              <a:ext uri="{FF2B5EF4-FFF2-40B4-BE49-F238E27FC236}">
-                <a16:creationId xmlns:a16="http://schemas.microsoft.com/office/drawing/2014/main" id="{473F96D3-0D68-4705-9E0B-A0DF8F4A5014}"/>
+          <p:cNvPr id="3" name="Content Placeholder 2">
+            <a:extLst>
+              <a:ext uri="{FF2B5EF4-FFF2-40B4-BE49-F238E27FC236}">
+                <a16:creationId xmlns:a16="http://schemas.microsoft.com/office/drawing/2014/main" id="{CEE50AAF-6C25-9D43-C176-F8C5C24BA603}"/>
               </a:ext>
             </a:extLst>
           </p:cNvPr>
@@ -10321,143 +10552,58 @@
               <a:buNone/>
             </a:pPr>
             <a:r>
-              <a:rPr lang="de-DE" dirty="0" err="1"/>
-              <a:t>mvn</a:t>
-            </a:r>
-            <a:r>
-              <a:rPr lang="de-DE" dirty="0"/>
-              <a:t> io.quarkus.platform:quarkus-maven-plugin:2.5.1.Final:create \</a:t>
-            </a:r>
+              <a:rPr lang="de-DE" dirty="0">
+                <a:effectLst/>
+                <a:latin typeface="Segoe UI" panose="020B0502040204020203" pitchFamily="34" charset="0"/>
+              </a:rPr>
+              <a:t>PULL Beispiele  --&gt; Erweitert um CDI </a:t>
+            </a:r>
+            <a:r>
+              <a:rPr lang="de-DE" dirty="0" err="1">
+                <a:effectLst/>
+                <a:latin typeface="Segoe UI" panose="020B0502040204020203" pitchFamily="34" charset="0"/>
+              </a:rPr>
+              <a:t>Examples</a:t>
+            </a:r>
+            <a:br>
+              <a:rPr lang="de-DE" dirty="0">
+                <a:effectLst/>
+                <a:latin typeface="Segoe UI" panose="020B0502040204020203" pitchFamily="34" charset="0"/>
+              </a:rPr>
+            </a:br>
+            <a:r>
+              <a:rPr lang="de-DE" dirty="0">
+                <a:effectLst/>
+                <a:latin typeface="Segoe UI" panose="020B0502040204020203" pitchFamily="34" charset="0"/>
+                <a:hlinkClick r:id="rId2"/>
+              </a:rPr>
+              <a:t>https://github.com/CGS-IT/jee_microservices_training_2025</a:t>
+            </a:r>
+            <a:endParaRPr lang="de-DE" dirty="0">
+              <a:effectLst/>
+              <a:latin typeface="Segoe UI" panose="020B0502040204020203" pitchFamily="34" charset="0"/>
+            </a:endParaRPr>
           </a:p>
           <a:p>
             <a:pPr marL="0" indent="0">
               <a:buNone/>
             </a:pPr>
-            <a:r>
-              <a:rPr lang="de-DE" dirty="0"/>
-              <a:t>    -</a:t>
-            </a:r>
-            <a:r>
-              <a:rPr lang="de-DE" dirty="0" err="1"/>
-              <a:t>DprojectGroupId</a:t>
-            </a:r>
-            <a:r>
-              <a:rPr lang="de-DE" dirty="0"/>
-              <a:t>=</a:t>
-            </a:r>
-            <a:r>
-              <a:rPr lang="de-DE" dirty="0" err="1"/>
-              <a:t>at.cgsit.train</a:t>
-            </a:r>
-            <a:r>
-              <a:rPr lang="de-DE" dirty="0"/>
-              <a:t> \</a:t>
-            </a:r>
+            <a:endParaRPr lang="de-DE" dirty="0">
+              <a:latin typeface="Segoe UI" panose="020B0502040204020203" pitchFamily="34" charset="0"/>
+            </a:endParaRPr>
           </a:p>
           <a:p>
             <a:pPr marL="0" indent="0">
               <a:buNone/>
             </a:pPr>
-            <a:r>
-              <a:rPr lang="de-DE" dirty="0"/>
-              <a:t>    -</a:t>
-            </a:r>
-            <a:r>
-              <a:rPr lang="de-DE" dirty="0" err="1"/>
-              <a:t>DprojectArtifactId</a:t>
-            </a:r>
-            <a:r>
-              <a:rPr lang="de-DE" dirty="0"/>
-              <a:t>=</a:t>
-            </a:r>
-            <a:r>
-              <a:rPr lang="de-DE" dirty="0" err="1"/>
-              <a:t>quarkus</a:t>
-            </a:r>
-            <a:r>
-              <a:rPr lang="de-DE" dirty="0"/>
-              <a:t>-demo \</a:t>
-            </a:r>
-          </a:p>
-          <a:p>
-            <a:pPr marL="0" indent="0">
-              <a:buNone/>
-            </a:pPr>
-            <a:r>
-              <a:rPr lang="de-DE" dirty="0"/>
-              <a:t>    -</a:t>
-            </a:r>
-            <a:r>
-              <a:rPr lang="de-DE" dirty="0" err="1"/>
-              <a:t>DclassName</a:t>
-            </a:r>
-            <a:r>
-              <a:rPr lang="de-DE" dirty="0"/>
-              <a:t>="</a:t>
-            </a:r>
-            <a:r>
-              <a:rPr lang="de-DE" dirty="0" err="1"/>
-              <a:t>at.cgsit.train.quarkus.DemoResource</a:t>
-            </a:r>
-            <a:r>
-              <a:rPr lang="de-DE" dirty="0"/>
-              <a:t>" \</a:t>
-            </a:r>
-          </a:p>
-          <a:p>
-            <a:pPr marL="0" indent="0">
-              <a:buNone/>
-            </a:pPr>
-            <a:r>
-              <a:rPr lang="de-DE" dirty="0"/>
-              <a:t>    -</a:t>
-            </a:r>
-            <a:r>
-              <a:rPr lang="de-DE" dirty="0" err="1"/>
-              <a:t>Dpath</a:t>
-            </a:r>
-            <a:r>
-              <a:rPr lang="de-DE" dirty="0"/>
-              <a:t>="/</a:t>
-            </a:r>
-            <a:r>
-              <a:rPr lang="de-DE" dirty="0" err="1"/>
-              <a:t>helloDemo</a:t>
-            </a:r>
-            <a:r>
-              <a:rPr lang="de-DE" dirty="0"/>
-              <a:t>„</a:t>
-            </a:r>
-          </a:p>
-          <a:p>
-            <a:pPr marL="0" indent="0">
-              <a:buNone/>
-            </a:pPr>
-            <a:endParaRPr lang="de-DE" dirty="0"/>
-          </a:p>
-          <a:p>
-            <a:pPr marL="0" indent="0">
-              <a:buNone/>
-            </a:pPr>
-            <a:r>
-              <a:rPr lang="de-DE" dirty="0"/>
-              <a:t>cd </a:t>
-            </a:r>
-            <a:r>
-              <a:rPr lang="de-DE" dirty="0" err="1"/>
-              <a:t>quarkus</a:t>
-            </a:r>
-            <a:r>
-              <a:rPr lang="de-DE" dirty="0"/>
-              <a:t>-demo</a:t>
-            </a:r>
+            <a:endParaRPr lang="en-US" dirty="0"/>
           </a:p>
         </p:txBody>
       </p:sp>
     </p:spTree>
     <p:extLst>
       <p:ext uri="{BB962C8B-B14F-4D97-AF65-F5344CB8AC3E}">
-        <p14:creationId xmlns:p14="http://schemas.microsoft.com/office/powerpoint/2010/main" val="32993438"/>
+        <p14:creationId xmlns:p14="http://schemas.microsoft.com/office/powerpoint/2010/main" val="515925330"/>
       </p:ext>
     </p:extLst>
   </p:cSld>
@@ -10489,7 +10635,7 @@
           <p:cNvPr id="2" name="Titel 1">
             <a:extLst>
               <a:ext uri="{FF2B5EF4-FFF2-40B4-BE49-F238E27FC236}">
-                <a16:creationId xmlns:a16="http://schemas.microsoft.com/office/drawing/2014/main" id="{2BEBA303-1374-46B5-9441-39A78CBE23AA}"/>
+                <a16:creationId xmlns:a16="http://schemas.microsoft.com/office/drawing/2014/main" id="{47BCB8A7-3DBD-45FE-8F6D-80323E9FE519}"/>
               </a:ext>
             </a:extLst>
           </p:cNvPr>
@@ -10506,55 +10652,341 @@
           <a:lstStyle/>
           <a:p>
             <a:r>
-              <a:rPr lang="de-DE" dirty="0" err="1"/>
-              <a:t>Build</a:t>
-            </a:r>
-            <a:r>
-              <a:rPr lang="de-DE" dirty="0"/>
-              <a:t> </a:t>
-            </a:r>
-            <a:r>
-              <a:rPr lang="de-DE" dirty="0" err="1"/>
-              <a:t>success</a:t>
-            </a:r>
-            <a:endParaRPr lang="de-DE" dirty="0"/>
+              <a:rPr lang="de-DE" dirty="0"/>
+              <a:t>Inhalt</a:t>
+            </a:r>
           </a:p>
         </p:txBody>
       </p:sp>
-      <p:pic>
-        <p:nvPicPr>
-          <p:cNvPr id="5" name="Grafik 4">
-            <a:extLst>
-              <a:ext uri="{FF2B5EF4-FFF2-40B4-BE49-F238E27FC236}">
-                <a16:creationId xmlns:a16="http://schemas.microsoft.com/office/drawing/2014/main" id="{56C0C481-32FF-420B-929E-28AB8D870628}"/>
-              </a:ext>
-            </a:extLst>
-          </p:cNvPr>
-          <p:cNvPicPr>
-            <a:picLocks noChangeAspect="1"/>
-          </p:cNvPicPr>
-          <p:nvPr/>
-        </p:nvPicPr>
-        <p:blipFill>
-          <a:blip r:embed="rId2"/>
-          <a:stretch>
-            <a:fillRect/>
-          </a:stretch>
-        </p:blipFill>
+      <p:sp>
+        <p:nvSpPr>
+          <p:cNvPr id="3" name="Inhaltsplatzhalter 2">
+            <a:extLst>
+              <a:ext uri="{FF2B5EF4-FFF2-40B4-BE49-F238E27FC236}">
+                <a16:creationId xmlns:a16="http://schemas.microsoft.com/office/drawing/2014/main" id="{ED9F2DA0-D175-48FE-8A21-8EEB7E7FBEB9}"/>
+              </a:ext>
+            </a:extLst>
+          </p:cNvPr>
+          <p:cNvSpPr>
+            <a:spLocks noGrp="1"/>
+          </p:cNvSpPr>
+          <p:nvPr>
+            <p:ph idx="1"/>
+          </p:nvPr>
+        </p:nvSpPr>
         <p:spPr>
           <a:xfrm>
-            <a:off x="4131666" y="681036"/>
-            <a:ext cx="7121022" cy="5614255"/>
+            <a:off x="838200" y="1326382"/>
+            <a:ext cx="10515600" cy="4850581"/>
           </a:xfrm>
-          <a:prstGeom prst="rect">
-            <a:avLst/>
-          </a:prstGeom>
         </p:spPr>
-      </p:pic>
+        <p:txBody>
+          <a:bodyPr>
+            <a:normAutofit fontScale="47500" lnSpcReduction="20000"/>
+          </a:bodyPr>
+          <a:lstStyle/>
+          <a:p>
+            <a:r>
+              <a:rPr lang="de-DE" dirty="0" err="1"/>
+              <a:t>Quarkus</a:t>
+            </a:r>
+            <a:r>
+              <a:rPr lang="de-DE" dirty="0"/>
+              <a:t> – Voraussetzungen - </a:t>
+            </a:r>
+            <a:r>
+              <a:rPr lang="de-DE" dirty="0" err="1"/>
+              <a:t>Prerequsites</a:t>
+            </a:r>
+            <a:endParaRPr lang="de-DE" dirty="0"/>
+          </a:p>
+          <a:p>
+            <a:r>
+              <a:rPr lang="de-DE" dirty="0"/>
+              <a:t>Maven Quickstart: Create </a:t>
+            </a:r>
+            <a:r>
+              <a:rPr lang="de-DE" dirty="0" err="1"/>
+              <a:t>by</a:t>
+            </a:r>
+            <a:r>
+              <a:rPr lang="de-DE" dirty="0"/>
+              <a:t> </a:t>
+            </a:r>
+            <a:r>
+              <a:rPr lang="de-DE" dirty="0" err="1"/>
+              <a:t>hand</a:t>
+            </a:r>
+            <a:endParaRPr lang="de-DE" dirty="0"/>
+          </a:p>
+          <a:p>
+            <a:r>
+              <a:rPr lang="de-DE" dirty="0" err="1"/>
+              <a:t>Quarkus</a:t>
+            </a:r>
+            <a:r>
+              <a:rPr lang="de-DE" dirty="0"/>
+              <a:t> Quickstart: </a:t>
+            </a:r>
+            <a:r>
+              <a:rPr lang="de-DE" dirty="0" err="1"/>
+              <a:t>create</a:t>
+            </a:r>
+            <a:r>
+              <a:rPr lang="de-DE" dirty="0"/>
+              <a:t> via </a:t>
+            </a:r>
+            <a:r>
+              <a:rPr lang="de-DE" dirty="0" err="1"/>
+              <a:t>IntelliJ</a:t>
+            </a:r>
+            <a:endParaRPr lang="de-DE" dirty="0"/>
+          </a:p>
+          <a:p>
+            <a:r>
+              <a:rPr lang="de-DE" dirty="0"/>
+              <a:t>Quickstart : launch </a:t>
+            </a:r>
+            <a:r>
+              <a:rPr lang="de-DE" dirty="0" err="1"/>
+              <a:t>new</a:t>
+            </a:r>
+            <a:r>
+              <a:rPr lang="de-DE" dirty="0"/>
+              <a:t> </a:t>
+            </a:r>
+            <a:r>
+              <a:rPr lang="de-DE" dirty="0" err="1"/>
+              <a:t>app</a:t>
+            </a:r>
+            <a:endParaRPr lang="de-DE" dirty="0"/>
+          </a:p>
+          <a:p>
+            <a:r>
+              <a:rPr lang="de-DE" dirty="0" err="1"/>
+              <a:t>Quarkus</a:t>
+            </a:r>
+            <a:r>
+              <a:rPr lang="de-DE" dirty="0"/>
+              <a:t> – </a:t>
+            </a:r>
+            <a:r>
+              <a:rPr lang="de-DE" dirty="0" err="1"/>
+              <a:t>Generated</a:t>
+            </a:r>
+            <a:r>
+              <a:rPr lang="de-DE" dirty="0"/>
+              <a:t> Output</a:t>
+            </a:r>
+          </a:p>
+          <a:p>
+            <a:r>
+              <a:rPr lang="de-DE" dirty="0" err="1"/>
+              <a:t>Quarkus</a:t>
+            </a:r>
+            <a:r>
+              <a:rPr lang="de-DE" dirty="0"/>
+              <a:t> Maven </a:t>
+            </a:r>
+            <a:r>
+              <a:rPr lang="de-DE" dirty="0" err="1"/>
+              <a:t>plugin</a:t>
+            </a:r>
+            <a:endParaRPr lang="de-DE" dirty="0"/>
+          </a:p>
+          <a:p>
+            <a:r>
+              <a:rPr lang="de-DE" dirty="0"/>
+              <a:t>Start </a:t>
+            </a:r>
+            <a:r>
+              <a:rPr lang="de-DE" dirty="0" err="1"/>
+              <a:t>Quarkus</a:t>
+            </a:r>
+            <a:r>
+              <a:rPr lang="de-DE" dirty="0"/>
+              <a:t> App</a:t>
+            </a:r>
+          </a:p>
+          <a:p>
+            <a:r>
+              <a:rPr lang="de-DE" dirty="0" err="1"/>
+              <a:t>Quarkus</a:t>
+            </a:r>
+            <a:r>
+              <a:rPr lang="de-DE" dirty="0"/>
+              <a:t> – Rest API</a:t>
+            </a:r>
+          </a:p>
+          <a:p>
+            <a:r>
+              <a:rPr lang="de-DE" dirty="0"/>
+              <a:t>Add </a:t>
+            </a:r>
+            <a:r>
+              <a:rPr lang="de-DE" dirty="0" err="1"/>
+              <a:t>to</a:t>
+            </a:r>
+            <a:r>
+              <a:rPr lang="de-DE" dirty="0"/>
+              <a:t> </a:t>
+            </a:r>
+            <a:r>
+              <a:rPr lang="de-DE" dirty="0" err="1"/>
+              <a:t>git</a:t>
+            </a:r>
+            <a:endParaRPr lang="de-DE" dirty="0"/>
+          </a:p>
+          <a:p>
+            <a:r>
+              <a:rPr lang="de-DE" dirty="0"/>
+              <a:t>Import </a:t>
+            </a:r>
+            <a:r>
+              <a:rPr lang="de-DE" dirty="0" err="1"/>
+              <a:t>into</a:t>
+            </a:r>
+            <a:r>
+              <a:rPr lang="de-DE" dirty="0"/>
+              <a:t> </a:t>
+            </a:r>
+            <a:r>
+              <a:rPr lang="de-DE" dirty="0" err="1"/>
+              <a:t>intelliJ</a:t>
+            </a:r>
+            <a:endParaRPr lang="de-DE" dirty="0"/>
+          </a:p>
+          <a:p>
+            <a:r>
+              <a:rPr lang="de-DE" dirty="0" err="1"/>
+              <a:t>IntellJ</a:t>
+            </a:r>
+            <a:r>
+              <a:rPr lang="de-DE" dirty="0"/>
+              <a:t> Project</a:t>
+            </a:r>
+          </a:p>
+          <a:p>
+            <a:r>
+              <a:rPr lang="de-DE" dirty="0"/>
+              <a:t>Maven Settings in </a:t>
+            </a:r>
+            <a:r>
+              <a:rPr lang="de-DE" dirty="0" err="1"/>
+              <a:t>IntelliJ</a:t>
+            </a:r>
+            <a:endParaRPr lang="de-DE" dirty="0"/>
+          </a:p>
+          <a:p>
+            <a:r>
+              <a:rPr lang="de-DE" dirty="0" err="1"/>
+              <a:t>Intellij</a:t>
+            </a:r>
+            <a:r>
+              <a:rPr lang="de-DE" dirty="0"/>
+              <a:t>: Java Settings </a:t>
+            </a:r>
+            <a:r>
+              <a:rPr lang="de-DE" dirty="0" err="1"/>
+              <a:t>for</a:t>
+            </a:r>
+            <a:r>
+              <a:rPr lang="de-DE" dirty="0"/>
+              <a:t> Java Project</a:t>
+            </a:r>
+          </a:p>
+          <a:p>
+            <a:r>
+              <a:rPr lang="de-DE" dirty="0"/>
+              <a:t>Run </a:t>
+            </a:r>
+            <a:r>
+              <a:rPr lang="de-DE" dirty="0" err="1"/>
+              <a:t>Quarkus</a:t>
+            </a:r>
+            <a:r>
+              <a:rPr lang="de-DE" dirty="0"/>
+              <a:t> </a:t>
+            </a:r>
+            <a:r>
+              <a:rPr lang="de-DE" dirty="0" err="1"/>
+              <a:t>from</a:t>
+            </a:r>
+            <a:r>
+              <a:rPr lang="de-DE" dirty="0"/>
+              <a:t> </a:t>
+            </a:r>
+            <a:r>
+              <a:rPr lang="de-DE" dirty="0" err="1"/>
+              <a:t>IntellJ</a:t>
+            </a:r>
+            <a:r>
+              <a:rPr lang="de-DE" dirty="0"/>
+              <a:t> </a:t>
+            </a:r>
+            <a:r>
+              <a:rPr lang="de-DE" dirty="0" err="1"/>
+              <a:t>maven</a:t>
+            </a:r>
+            <a:endParaRPr lang="de-DE" dirty="0"/>
+          </a:p>
+          <a:p>
+            <a:r>
+              <a:rPr lang="de-DE" dirty="0" err="1"/>
+              <a:t>Quarkus</a:t>
+            </a:r>
+            <a:r>
+              <a:rPr lang="de-DE" dirty="0"/>
+              <a:t> Development Mode</a:t>
+            </a:r>
+          </a:p>
+          <a:p>
+            <a:r>
+              <a:rPr lang="de-DE" dirty="0" err="1"/>
+              <a:t>IntelliJ</a:t>
+            </a:r>
+            <a:r>
+              <a:rPr lang="de-DE" dirty="0"/>
+              <a:t> - </a:t>
+            </a:r>
+            <a:r>
+              <a:rPr lang="de-DE" dirty="0" err="1"/>
+              <a:t>Quarkus</a:t>
+            </a:r>
+            <a:r>
+              <a:rPr lang="de-DE" dirty="0"/>
+              <a:t> – </a:t>
+            </a:r>
+            <a:r>
+              <a:rPr lang="de-DE" dirty="0" err="1"/>
+              <a:t>Attach</a:t>
+            </a:r>
+            <a:r>
+              <a:rPr lang="de-DE" dirty="0"/>
+              <a:t> Debugger</a:t>
+            </a:r>
+          </a:p>
+          <a:p>
+            <a:r>
+              <a:rPr lang="de-DE" dirty="0" err="1"/>
+              <a:t>Quarkus</a:t>
+            </a:r>
+            <a:r>
+              <a:rPr lang="de-DE" dirty="0"/>
+              <a:t> - </a:t>
+            </a:r>
+            <a:r>
+              <a:rPr lang="de-DE" dirty="0" err="1"/>
+              <a:t>Testing</a:t>
+            </a:r>
+            <a:endParaRPr lang="de-DE" dirty="0"/>
+          </a:p>
+        </p:txBody>
+      </p:sp>
     </p:spTree>
     <p:extLst>
       <p:ext uri="{BB962C8B-B14F-4D97-AF65-F5344CB8AC3E}">
-        <p14:creationId xmlns:p14="http://schemas.microsoft.com/office/powerpoint/2010/main" val="536982506"/>
+        <p14:creationId xmlns:p14="http://schemas.microsoft.com/office/powerpoint/2010/main" val="379312120"/>
       </p:ext>
     </p:extLst>
   </p:cSld>
